--- a/FAKE NEWS DETECTION USING NLP PPT FF.pptx
+++ b/FAKE NEWS DETECTION USING NLP PPT FF.pptx
@@ -28,10 +28,12 @@
     <p:sldId id="277" r:id="rId22"/>
     <p:sldId id="278" r:id="rId23"/>
     <p:sldId id="279" r:id="rId24"/>
-    <p:sldId id="282" r:id="rId25"/>
-    <p:sldId id="283" r:id="rId26"/>
-    <p:sldId id="284" r:id="rId27"/>
-    <p:sldId id="285" r:id="rId28"/>
+    <p:sldId id="287" r:id="rId25"/>
+    <p:sldId id="286" r:id="rId26"/>
+    <p:sldId id="282" r:id="rId27"/>
+    <p:sldId id="283" r:id="rId28"/>
+    <p:sldId id="284" r:id="rId29"/>
+    <p:sldId id="285" r:id="rId30"/>
   </p:sldIdLst>
   <p:sldSz cx="12192000" cy="6858000"/>
   <p:notesSz cx="6858000" cy="9144000"/>
@@ -132,7 +134,7 @@
   </p:defaultTextStyle>
   <p:extLst>
     <p:ext uri="{521415D9-36F7-43E2-AB2F-B90AF26B5E84}">
-      <p14:sectionLst xmlns:p14="http://schemas.microsoft.com/office/powerpoint/2010/main">
+      <p14:sectionLst xmlns:p14="http://schemas.microsoft.com/office/powerpoint/2010/main" xmlns="">
         <p14:section name="Default Section" id="{66F8A742-713A-4524-96CD-1E5221852846}">
           <p14:sldIdLst>
             <p14:sldId id="256"/>
@@ -171,7 +173,7 @@
       </p14:sectionLst>
     </p:ext>
     <p:ext uri="{EFAFB233-063F-42B5-8137-9DF3F51BA10A}">
-      <p15:sldGuideLst xmlns:p15="http://schemas.microsoft.com/office/powerpoint/2012/main"/>
+      <p15:sldGuideLst xmlns:p15="http://schemas.microsoft.com/office/powerpoint/2012/main" xmlns=""/>
     </p:ext>
   </p:extLst>
 </p:presentation>
@@ -621,7 +623,7 @@
     </p:spTree>
     <p:extLst>
       <p:ext uri="{BB962C8B-B14F-4D97-AF65-F5344CB8AC3E}">
-        <p14:creationId xmlns:p14="http://schemas.microsoft.com/office/powerpoint/2010/main" val="4262436518"/>
+        <p14:creationId xmlns:p14="http://schemas.microsoft.com/office/powerpoint/2010/main" xmlns="" val="4262436518"/>
       </p:ext>
     </p:extLst>
   </p:cSld>
@@ -1691,7 +1693,7 @@
     </p:spTree>
     <p:extLst>
       <p:ext uri="{BB962C8B-B14F-4D97-AF65-F5344CB8AC3E}">
-        <p14:creationId xmlns:p14="http://schemas.microsoft.com/office/powerpoint/2010/main" val="1186897615"/>
+        <p14:creationId xmlns:p14="http://schemas.microsoft.com/office/powerpoint/2010/main" xmlns="" val="1186897615"/>
       </p:ext>
     </p:extLst>
   </p:cSld>
@@ -2673,7 +2675,7 @@
     </p:spTree>
     <p:extLst>
       <p:ext uri="{BB962C8B-B14F-4D97-AF65-F5344CB8AC3E}">
-        <p14:creationId xmlns:p14="http://schemas.microsoft.com/office/powerpoint/2010/main" val="3307168563"/>
+        <p14:creationId xmlns:p14="http://schemas.microsoft.com/office/powerpoint/2010/main" xmlns="" val="3307168563"/>
       </p:ext>
     </p:extLst>
   </p:cSld>
@@ -3809,7 +3811,7 @@
     </p:spTree>
     <p:extLst>
       <p:ext uri="{BB962C8B-B14F-4D97-AF65-F5344CB8AC3E}">
-        <p14:creationId xmlns:p14="http://schemas.microsoft.com/office/powerpoint/2010/main" val="1504708717"/>
+        <p14:creationId xmlns:p14="http://schemas.microsoft.com/office/powerpoint/2010/main" xmlns="" val="1504708717"/>
       </p:ext>
     </p:extLst>
   </p:cSld>
@@ -4844,7 +4846,7 @@
     </p:spTree>
     <p:extLst>
       <p:ext uri="{BB962C8B-B14F-4D97-AF65-F5344CB8AC3E}">
-        <p14:creationId xmlns:p14="http://schemas.microsoft.com/office/powerpoint/2010/main" val="2893286741"/>
+        <p14:creationId xmlns:p14="http://schemas.microsoft.com/office/powerpoint/2010/main" xmlns="" val="2893286741"/>
       </p:ext>
     </p:extLst>
   </p:cSld>
@@ -5470,7 +5472,7 @@
     </p:spTree>
     <p:extLst>
       <p:ext uri="{BB962C8B-B14F-4D97-AF65-F5344CB8AC3E}">
-        <p14:creationId xmlns:p14="http://schemas.microsoft.com/office/powerpoint/2010/main" val="3680879098"/>
+        <p14:creationId xmlns:p14="http://schemas.microsoft.com/office/powerpoint/2010/main" xmlns="" val="3680879098"/>
       </p:ext>
     </p:extLst>
   </p:cSld>
@@ -6338,7 +6340,7 @@
     </p:spTree>
     <p:extLst>
       <p:ext uri="{BB962C8B-B14F-4D97-AF65-F5344CB8AC3E}">
-        <p14:creationId xmlns:p14="http://schemas.microsoft.com/office/powerpoint/2010/main" val="1384489020"/>
+        <p14:creationId xmlns:p14="http://schemas.microsoft.com/office/powerpoint/2010/main" xmlns="" val="1384489020"/>
       </p:ext>
     </p:extLst>
   </p:cSld>
@@ -6525,7 +6527,7 @@
     </p:spTree>
     <p:extLst>
       <p:ext uri="{BB962C8B-B14F-4D97-AF65-F5344CB8AC3E}">
-        <p14:creationId xmlns:p14="http://schemas.microsoft.com/office/powerpoint/2010/main" val="2518157254"/>
+        <p14:creationId xmlns:p14="http://schemas.microsoft.com/office/powerpoint/2010/main" xmlns="" val="2518157254"/>
       </p:ext>
     </p:extLst>
   </p:cSld>
@@ -7535,7 +7537,7 @@
     </p:spTree>
     <p:extLst>
       <p:ext uri="{BB962C8B-B14F-4D97-AF65-F5344CB8AC3E}">
-        <p14:creationId xmlns:p14="http://schemas.microsoft.com/office/powerpoint/2010/main" val="2457635485"/>
+        <p14:creationId xmlns:p14="http://schemas.microsoft.com/office/powerpoint/2010/main" xmlns="" val="2457635485"/>
       </p:ext>
     </p:extLst>
   </p:cSld>
@@ -7659,6 +7661,7 @@
           <a:p>
             <a:fld id="{52647F38-B617-4D2F-AE0A-013F0C4D2C57}" type="datetimeFigureOut">
               <a:rPr lang="en-US" smtClean="0"/>
+              <a:pPr/>
               <a:t>5/3/2024</a:t>
             </a:fld>
             <a:endParaRPr lang="en-US" dirty="0"/>
@@ -7701,6 +7704,7 @@
           <a:p>
             <a:fld id="{E97799C9-84D9-46D2-A11E-BCF8A720529D}" type="slidenum">
               <a:rPr lang="en-US" smtClean="0"/>
+              <a:pPr/>
               <a:t>‹#›</a:t>
             </a:fld>
             <a:endParaRPr lang="en-US" dirty="0"/>
@@ -7710,7 +7714,7 @@
     </p:spTree>
     <p:extLst>
       <p:ext uri="{BB962C8B-B14F-4D97-AF65-F5344CB8AC3E}">
-        <p14:creationId xmlns:p14="http://schemas.microsoft.com/office/powerpoint/2010/main" val="2302685046"/>
+        <p14:creationId xmlns:p14="http://schemas.microsoft.com/office/powerpoint/2010/main" xmlns="" val="2302685046"/>
       </p:ext>
     </p:extLst>
   </p:cSld>
@@ -8782,7 +8786,7 @@
     </p:spTree>
     <p:extLst>
       <p:ext uri="{BB962C8B-B14F-4D97-AF65-F5344CB8AC3E}">
-        <p14:creationId xmlns:p14="http://schemas.microsoft.com/office/powerpoint/2010/main" val="935797380"/>
+        <p14:creationId xmlns:p14="http://schemas.microsoft.com/office/powerpoint/2010/main" xmlns="" val="935797380"/>
       </p:ext>
     </p:extLst>
   </p:cSld>
@@ -8967,6 +8971,7 @@
           <a:p>
             <a:fld id="{05BFA754-D5C3-4E66-96A6-867B257F58DC}" type="datetimeFigureOut">
               <a:rPr lang="en-US" smtClean="0"/>
+              <a:pPr/>
               <a:t>5/3/2024</a:t>
             </a:fld>
             <a:endParaRPr lang="en-US" dirty="0"/>
@@ -9009,6 +9014,7 @@
           <a:p>
             <a:fld id="{5D84065D-F351-4B03-BD91-D8A6B8D4B362}" type="slidenum">
               <a:rPr lang="en-US" smtClean="0"/>
+              <a:pPr/>
               <a:t>‹#›</a:t>
             </a:fld>
             <a:endParaRPr lang="en-US" dirty="0"/>
@@ -9018,7 +9024,7 @@
     </p:spTree>
     <p:extLst>
       <p:ext uri="{BB962C8B-B14F-4D97-AF65-F5344CB8AC3E}">
-        <p14:creationId xmlns:p14="http://schemas.microsoft.com/office/powerpoint/2010/main" val="1023869844"/>
+        <p14:creationId xmlns:p14="http://schemas.microsoft.com/office/powerpoint/2010/main" xmlns="" val="1023869844"/>
       </p:ext>
     </p:extLst>
   </p:cSld>
@@ -9430,7 +9436,7 @@
     </p:spTree>
     <p:extLst>
       <p:ext uri="{BB962C8B-B14F-4D97-AF65-F5344CB8AC3E}">
-        <p14:creationId xmlns:p14="http://schemas.microsoft.com/office/powerpoint/2010/main" val="1140353223"/>
+        <p14:creationId xmlns:p14="http://schemas.microsoft.com/office/powerpoint/2010/main" xmlns="" val="1140353223"/>
       </p:ext>
     </p:extLst>
   </p:cSld>
@@ -9559,7 +9565,7 @@
     </p:spTree>
     <p:extLst>
       <p:ext uri="{BB962C8B-B14F-4D97-AF65-F5344CB8AC3E}">
-        <p14:creationId xmlns:p14="http://schemas.microsoft.com/office/powerpoint/2010/main" val="4233368710"/>
+        <p14:creationId xmlns:p14="http://schemas.microsoft.com/office/powerpoint/2010/main" xmlns="" val="4233368710"/>
       </p:ext>
     </p:extLst>
   </p:cSld>
@@ -9692,7 +9698,7 @@
     </p:spTree>
     <p:extLst>
       <p:ext uri="{BB962C8B-B14F-4D97-AF65-F5344CB8AC3E}">
-        <p14:creationId xmlns:p14="http://schemas.microsoft.com/office/powerpoint/2010/main" val="2135843584"/>
+        <p14:creationId xmlns:p14="http://schemas.microsoft.com/office/powerpoint/2010/main" xmlns="" val="2135843584"/>
       </p:ext>
     </p:extLst>
   </p:cSld>
@@ -10775,7 +10781,7 @@
     </p:spTree>
     <p:extLst>
       <p:ext uri="{BB962C8B-B14F-4D97-AF65-F5344CB8AC3E}">
-        <p14:creationId xmlns:p14="http://schemas.microsoft.com/office/powerpoint/2010/main" val="2916237813"/>
+        <p14:creationId xmlns:p14="http://schemas.microsoft.com/office/powerpoint/2010/main" xmlns="" val="2916237813"/>
       </p:ext>
     </p:extLst>
   </p:cSld>
@@ -11885,7 +11891,7 @@
     </p:spTree>
     <p:extLst>
       <p:ext uri="{BB962C8B-B14F-4D97-AF65-F5344CB8AC3E}">
-        <p14:creationId xmlns:p14="http://schemas.microsoft.com/office/powerpoint/2010/main" val="1674551506"/>
+        <p14:creationId xmlns:p14="http://schemas.microsoft.com/office/powerpoint/2010/main" xmlns="" val="1674551506"/>
       </p:ext>
     </p:extLst>
   </p:cSld>
@@ -12916,7 +12922,7 @@
     </p:spTree>
     <p:extLst>
       <p:ext uri="{BB962C8B-B14F-4D97-AF65-F5344CB8AC3E}">
-        <p14:creationId xmlns:p14="http://schemas.microsoft.com/office/powerpoint/2010/main" val="365129335"/>
+        <p14:creationId xmlns:p14="http://schemas.microsoft.com/office/powerpoint/2010/main" xmlns="" val="365129335"/>
       </p:ext>
     </p:extLst>
   </p:cSld>
@@ -13361,7 +13367,7 @@
           <p:cNvPr id="2" name="Title 1">
             <a:extLst>
               <a:ext uri="{FF2B5EF4-FFF2-40B4-BE49-F238E27FC236}">
-                <a16:creationId xmlns:a16="http://schemas.microsoft.com/office/drawing/2014/main" id="{DEDA7186-D164-AA47-CB85-691F25BE9A09}"/>
+                <a16:creationId xmlns:a16="http://schemas.microsoft.com/office/drawing/2014/main" xmlns="" id="{DEDA7186-D164-AA47-CB85-691F25BE9A09}"/>
               </a:ext>
             </a:extLst>
           </p:cNvPr>
@@ -13374,8 +13380,8 @@
         </p:nvSpPr>
         <p:spPr>
           <a:xfrm>
-            <a:off x="1938527" y="1562581"/>
-            <a:ext cx="8073574" cy="3530279"/>
+            <a:off x="1257300" y="1562581"/>
+            <a:ext cx="8754801" cy="4275511"/>
           </a:xfrm>
         </p:spPr>
         <p:txBody>
@@ -13384,7 +13390,15 @@
           <a:p>
             <a:r>
               <a:rPr lang="en-IN" sz="3600" dirty="0"/>
-              <a:t>               </a:t>
+              <a:t> </a:t>
+            </a:r>
+            <a:r>
+              <a:rPr lang="en-IN" sz="3600" dirty="0" smtClean="0"/>
+              <a:t>           </a:t>
+            </a:r>
+            <a:r>
+              <a:rPr lang="en-IN" sz="3600" dirty="0" smtClean="0"/>
+              <a:t> </a:t>
             </a:r>
             <a:r>
               <a:rPr lang="en-IN" sz="3600" b="1" dirty="0"/>
@@ -13407,19 +13421,42 @@
             <a:br>
               <a:rPr lang="en-IN" sz="3600" b="1" dirty="0"/>
             </a:br>
+            <a:r>
+              <a:rPr lang="en-IN" sz="1100" b="1" dirty="0" smtClean="0"/>
+              <a:t>team Leader:</a:t>
+            </a:r>
+            <a:r>
+              <a:rPr lang="en-IN" sz="3600" b="1" dirty="0"/>
+              <a:t/>
+            </a:r>
             <a:br>
               <a:rPr lang="en-IN" sz="3600" b="1" dirty="0"/>
             </a:br>
             <a:r>
+              <a:rPr lang="en-IN" sz="1050" b="1" dirty="0" smtClean="0"/>
+              <a:t>ATTHILI SANTHOSHI</a:t>
+            </a:r>
+            <a:br>
+              <a:rPr lang="en-IN" sz="1050" b="1" dirty="0" smtClean="0"/>
+            </a:br>
+            <a:r>
+              <a:rPr lang="en-IN" sz="1050" b="1" dirty="0" smtClean="0"/>
+              <a:t>Team Member</a:t>
+            </a:r>
+            <a:r>
               <a:rPr lang="en-IN" sz="1050" b="1" dirty="0"/>
-              <a:t>ATTHILI SANTHOSHI</a:t>
+              <a:t/>
             </a:r>
             <a:br>
               <a:rPr lang="en-IN" sz="1050" b="1" dirty="0"/>
             </a:br>
             <a:r>
-              <a:rPr lang="en-IN" sz="1050" b="1" dirty="0"/>
-              <a:t>K.BHAVYA</a:t>
+              <a:rPr lang="en-IN" sz="1050" b="1" dirty="0" smtClean="0"/>
+              <a:t>KETHINENI BHAVYA</a:t>
+            </a:r>
+            <a:r>
+              <a:rPr lang="en-IN" sz="3600" b="1" dirty="0"/>
+              <a:t/>
             </a:r>
             <a:br>
               <a:rPr lang="en-IN" sz="3600" b="1" dirty="0"/>
@@ -13428,26 +13465,31 @@
               <a:rPr lang="en-IN" sz="1050" b="1" dirty="0"/>
               <a:t>VIGNAN’S INSTITUTE OF MANAGEMENT AND TECHNOLOGY FOR WOMEN </a:t>
             </a:r>
+            <a:r>
+              <a:rPr lang="en-IN" sz="1050" b="1" dirty="0" smtClean="0"/>
+              <a:t>(VMTW)</a:t>
+            </a:r>
+            <a:endParaRPr lang="en-IN" sz="1050" b="1" dirty="0"/>
           </a:p>
         </p:txBody>
       </p:sp>
     </p:spTree>
     <p:extLst>
       <p:ext uri="{BB962C8B-B14F-4D97-AF65-F5344CB8AC3E}">
-        <p14:creationId xmlns:p14="http://schemas.microsoft.com/office/powerpoint/2010/main" val="1803562701"/>
+        <p14:creationId xmlns:p14="http://schemas.microsoft.com/office/powerpoint/2010/main" xmlns="" val="1803562701"/>
       </p:ext>
     </p:extLst>
   </p:cSld>
   <p:clrMapOvr>
     <a:masterClrMapping/>
   </p:clrMapOvr>
-  <mc:AlternateContent xmlns:mc="http://schemas.openxmlformats.org/markup-compatibility/2006" xmlns:p14="http://schemas.microsoft.com/office/powerpoint/2010/main">
-    <mc:Choice Requires="p14">
+  <mc:AlternateContent xmlns:mc="http://schemas.openxmlformats.org/markup-compatibility/2006">
+    <mc:Choice xmlns:p14="http://schemas.microsoft.com/office/powerpoint/2010/main" xmlns="" Requires="p14">
       <p:transition spd="med" p14:dur="700">
         <p:fade/>
       </p:transition>
     </mc:Choice>
-    <mc:Fallback xmlns="">
+    <mc:Fallback>
       <p:transition spd="med">
         <p:fade/>
       </p:transition>
@@ -13478,7 +13520,7 @@
           <p:cNvPr id="2" name="Title 1">
             <a:extLst>
               <a:ext uri="{FF2B5EF4-FFF2-40B4-BE49-F238E27FC236}">
-                <a16:creationId xmlns:a16="http://schemas.microsoft.com/office/drawing/2014/main" id="{028293C0-273C-A99E-51B0-B4B8BE2F1B6E}"/>
+                <a16:creationId xmlns:a16="http://schemas.microsoft.com/office/drawing/2014/main" xmlns="" id="{028293C0-273C-A99E-51B0-B4B8BE2F1B6E}"/>
               </a:ext>
             </a:extLst>
           </p:cNvPr>
@@ -13506,7 +13548,7 @@
           <p:cNvPr id="3" name="Content Placeholder 2">
             <a:extLst>
               <a:ext uri="{FF2B5EF4-FFF2-40B4-BE49-F238E27FC236}">
-                <a16:creationId xmlns:a16="http://schemas.microsoft.com/office/drawing/2014/main" id="{2CF03AE3-E913-D931-52D4-D6FEAEC6E30F}"/>
+                <a16:creationId xmlns:a16="http://schemas.microsoft.com/office/drawing/2014/main" xmlns="" id="{2CF03AE3-E913-D931-52D4-D6FEAEC6E30F}"/>
               </a:ext>
             </a:extLst>
           </p:cNvPr>
@@ -13661,7 +13703,7 @@
           <p:cNvPr id="5122" name="Picture 2" descr="1,000+ Data Requirements Stock Photos, Pictures &amp; Royalty ...">
             <a:extLst>
               <a:ext uri="{FF2B5EF4-FFF2-40B4-BE49-F238E27FC236}">
-                <a16:creationId xmlns:a16="http://schemas.microsoft.com/office/drawing/2014/main" id="{9963B1D5-2DE9-5B91-1302-6AD3EB5FE6DE}"/>
+                <a16:creationId xmlns:a16="http://schemas.microsoft.com/office/drawing/2014/main" xmlns="" id="{9963B1D5-2DE9-5B91-1302-6AD3EB5FE6DE}"/>
               </a:ext>
             </a:extLst>
           </p:cNvPr>
@@ -13674,7 +13716,7 @@
           <a:blip r:embed="rId2">
             <a:extLst>
               <a:ext uri="{28A0092B-C50C-407E-A947-70E740481C1C}">
-                <a14:useLocalDpi xmlns:a14="http://schemas.microsoft.com/office/drawing/2010/main" val="0"/>
+                <a14:useLocalDpi xmlns:a14="http://schemas.microsoft.com/office/drawing/2010/main" xmlns="" val="0"/>
               </a:ext>
             </a:extLst>
           </a:blip>
@@ -13694,7 +13736,7 @@
           <a:noFill/>
           <a:extLst>
             <a:ext uri="{909E8E84-426E-40DD-AFC4-6F175D3DCCD1}">
-              <a14:hiddenFill xmlns:a14="http://schemas.microsoft.com/office/drawing/2010/main">
+              <a14:hiddenFill xmlns:a14="http://schemas.microsoft.com/office/drawing/2010/main" xmlns="">
                 <a:solidFill>
                   <a:srgbClr val="FFFFFF"/>
                 </a:solidFill>
@@ -13706,7 +13748,7 @@
     </p:spTree>
     <p:extLst>
       <p:ext uri="{BB962C8B-B14F-4D97-AF65-F5344CB8AC3E}">
-        <p14:creationId xmlns:p14="http://schemas.microsoft.com/office/powerpoint/2010/main" val="324195428"/>
+        <p14:creationId xmlns:p14="http://schemas.microsoft.com/office/powerpoint/2010/main" xmlns="" val="324195428"/>
       </p:ext>
     </p:extLst>
   </p:cSld>
@@ -13741,7 +13783,7 @@
           <p:cNvPr id="2" name="Title 1">
             <a:extLst>
               <a:ext uri="{FF2B5EF4-FFF2-40B4-BE49-F238E27FC236}">
-                <a16:creationId xmlns:a16="http://schemas.microsoft.com/office/drawing/2014/main" id="{66A1E237-1EF3-FB2E-6F21-5F61A3139785}"/>
+                <a16:creationId xmlns:a16="http://schemas.microsoft.com/office/drawing/2014/main" xmlns="" id="{66A1E237-1EF3-FB2E-6F21-5F61A3139785}"/>
               </a:ext>
             </a:extLst>
           </p:cNvPr>
@@ -13771,6 +13813,15 @@
               </a:rPr>
               <a:t>                 NLP LIBRARIES AND TOOLS</a:t>
             </a:r>
+            <a:r>
+              <a:rPr lang="en-IN" sz="3600" dirty="0">
+                <a:effectLst/>
+                <a:latin typeface="Calibri" panose="020F0502020204030204" pitchFamily="34" charset="0"/>
+                <a:ea typeface="Calibri" panose="020F0502020204030204" pitchFamily="34" charset="0"/>
+                <a:cs typeface="Times New Roman" panose="02020603050405020304" pitchFamily="18" charset="0"/>
+              </a:rPr>
+              <a:t/>
+            </a:r>
             <a:br>
               <a:rPr lang="en-IN" sz="3600" dirty="0">
                 <a:effectLst/>
@@ -13788,7 +13839,7 @@
           <p:cNvPr id="3" name="Content Placeholder 2">
             <a:extLst>
               <a:ext uri="{FF2B5EF4-FFF2-40B4-BE49-F238E27FC236}">
-                <a16:creationId xmlns:a16="http://schemas.microsoft.com/office/drawing/2014/main" id="{29127FA0-9B0F-7C95-6425-A27423024788}"/>
+                <a16:creationId xmlns:a16="http://schemas.microsoft.com/office/drawing/2014/main" xmlns="" id="{29127FA0-9B0F-7C95-6425-A27423024788}"/>
               </a:ext>
             </a:extLst>
           </p:cNvPr>
@@ -14067,7 +14118,7 @@
           <p:cNvPr id="6146" name="Picture 2" descr="10 Best Python Libraries for Natural Language Processing ...">
             <a:extLst>
               <a:ext uri="{FF2B5EF4-FFF2-40B4-BE49-F238E27FC236}">
-                <a16:creationId xmlns:a16="http://schemas.microsoft.com/office/drawing/2014/main" id="{82AB1338-4D2A-C132-3E0E-84E44ACA7FFC}"/>
+                <a16:creationId xmlns:a16="http://schemas.microsoft.com/office/drawing/2014/main" xmlns="" id="{82AB1338-4D2A-C132-3E0E-84E44ACA7FFC}"/>
               </a:ext>
             </a:extLst>
           </p:cNvPr>
@@ -14080,7 +14131,7 @@
           <a:blip r:embed="rId2">
             <a:extLst>
               <a:ext uri="{28A0092B-C50C-407E-A947-70E740481C1C}">
-                <a14:useLocalDpi xmlns:a14="http://schemas.microsoft.com/office/drawing/2010/main" val="0"/>
+                <a14:useLocalDpi xmlns:a14="http://schemas.microsoft.com/office/drawing/2010/main" xmlns="" val="0"/>
               </a:ext>
             </a:extLst>
           </a:blip>
@@ -14100,7 +14151,7 @@
           <a:noFill/>
           <a:extLst>
             <a:ext uri="{909E8E84-426E-40DD-AFC4-6F175D3DCCD1}">
-              <a14:hiddenFill xmlns:a14="http://schemas.microsoft.com/office/drawing/2010/main">
+              <a14:hiddenFill xmlns:a14="http://schemas.microsoft.com/office/drawing/2010/main" xmlns="">
                 <a:solidFill>
                   <a:srgbClr val="FFFFFF"/>
                 </a:solidFill>
@@ -14112,7 +14163,7 @@
     </p:spTree>
     <p:extLst>
       <p:ext uri="{BB962C8B-B14F-4D97-AF65-F5344CB8AC3E}">
-        <p14:creationId xmlns:p14="http://schemas.microsoft.com/office/powerpoint/2010/main" val="2747203570"/>
+        <p14:creationId xmlns:p14="http://schemas.microsoft.com/office/powerpoint/2010/main" xmlns="" val="2747203570"/>
       </p:ext>
     </p:extLst>
   </p:cSld>
@@ -14147,7 +14198,7 @@
           <p:cNvPr id="2" name="Title 1">
             <a:extLst>
               <a:ext uri="{FF2B5EF4-FFF2-40B4-BE49-F238E27FC236}">
-                <a16:creationId xmlns:a16="http://schemas.microsoft.com/office/drawing/2014/main" id="{2D1E1457-3D49-7F5E-C537-9C3976F4C895}"/>
+                <a16:creationId xmlns:a16="http://schemas.microsoft.com/office/drawing/2014/main" xmlns="" id="{2D1E1457-3D49-7F5E-C537-9C3976F4C895}"/>
               </a:ext>
             </a:extLst>
           </p:cNvPr>
@@ -14177,6 +14228,15 @@
               </a:rPr>
               <a:t>                                 LITERATURE REVIEW</a:t>
             </a:r>
+            <a:r>
+              <a:rPr lang="en-IN" sz="1800" dirty="0">
+                <a:effectLst/>
+                <a:latin typeface="Calibri" panose="020F0502020204030204" pitchFamily="34" charset="0"/>
+                <a:ea typeface="Calibri" panose="020F0502020204030204" pitchFamily="34" charset="0"/>
+                <a:cs typeface="Times New Roman" panose="02020603050405020304" pitchFamily="18" charset="0"/>
+              </a:rPr>
+              <a:t/>
+            </a:r>
             <a:br>
               <a:rPr lang="en-IN" sz="1800" dirty="0">
                 <a:effectLst/>
@@ -14194,7 +14254,7 @@
           <p:cNvPr id="3" name="Content Placeholder 2">
             <a:extLst>
               <a:ext uri="{FF2B5EF4-FFF2-40B4-BE49-F238E27FC236}">
-                <a16:creationId xmlns:a16="http://schemas.microsoft.com/office/drawing/2014/main" id="{519E36C2-2B65-6EDA-643B-C943D2328464}"/>
+                <a16:creationId xmlns:a16="http://schemas.microsoft.com/office/drawing/2014/main" xmlns="" id="{519E36C2-2B65-6EDA-643B-C943D2328464}"/>
               </a:ext>
             </a:extLst>
           </p:cNvPr>
@@ -14287,20 +14347,20 @@
     </p:spTree>
     <p:extLst>
       <p:ext uri="{BB962C8B-B14F-4D97-AF65-F5344CB8AC3E}">
-        <p14:creationId xmlns:p14="http://schemas.microsoft.com/office/powerpoint/2010/main" val="363562058"/>
+        <p14:creationId xmlns:p14="http://schemas.microsoft.com/office/powerpoint/2010/main" xmlns="" val="363562058"/>
       </p:ext>
     </p:extLst>
   </p:cSld>
   <p:clrMapOvr>
     <a:masterClrMapping/>
   </p:clrMapOvr>
-  <mc:AlternateContent xmlns:mc="http://schemas.openxmlformats.org/markup-compatibility/2006" xmlns:p14="http://schemas.microsoft.com/office/powerpoint/2010/main">
-    <mc:Choice Requires="p14">
+  <mc:AlternateContent xmlns:mc="http://schemas.openxmlformats.org/markup-compatibility/2006">
+    <mc:Choice xmlns:p14="http://schemas.microsoft.com/office/powerpoint/2010/main" xmlns="" Requires="p14">
       <p:transition spd="slow" p14:dur="1500">
         <p:split orient="vert"/>
       </p:transition>
     </mc:Choice>
-    <mc:Fallback xmlns="">
+    <mc:Fallback>
       <p:transition spd="slow">
         <p:split orient="vert"/>
       </p:transition>
@@ -14331,7 +14391,7 @@
           <p:cNvPr id="2" name="Title 1">
             <a:extLst>
               <a:ext uri="{FF2B5EF4-FFF2-40B4-BE49-F238E27FC236}">
-                <a16:creationId xmlns:a16="http://schemas.microsoft.com/office/drawing/2014/main" id="{9397B97B-F3D8-000D-C932-37F51AC85386}"/>
+                <a16:creationId xmlns:a16="http://schemas.microsoft.com/office/drawing/2014/main" xmlns="" id="{9397B97B-F3D8-000D-C932-37F51AC85386}"/>
               </a:ext>
             </a:extLst>
           </p:cNvPr>
@@ -14387,6 +14447,15 @@
               </a:rPr>
               <a:t>Linguistic Features for Fake News Detection</a:t>
             </a:r>
+            <a:r>
+              <a:rPr lang="en-IN" sz="3600" dirty="0">
+                <a:effectLst/>
+                <a:latin typeface="Calibri" panose="020F0502020204030204" pitchFamily="34" charset="0"/>
+                <a:ea typeface="Calibri" panose="020F0502020204030204" pitchFamily="34" charset="0"/>
+                <a:cs typeface="Times New Roman" panose="02020603050405020304" pitchFamily="18" charset="0"/>
+              </a:rPr>
+              <a:t/>
+            </a:r>
             <a:br>
               <a:rPr lang="en-IN" sz="3600" dirty="0">
                 <a:effectLst/>
@@ -14404,7 +14473,7 @@
           <p:cNvPr id="3" name="Content Placeholder 2">
             <a:extLst>
               <a:ext uri="{FF2B5EF4-FFF2-40B4-BE49-F238E27FC236}">
-                <a16:creationId xmlns:a16="http://schemas.microsoft.com/office/drawing/2014/main" id="{7ED355FE-B6F2-F055-C2DE-6FD8E9341552}"/>
+                <a16:creationId xmlns:a16="http://schemas.microsoft.com/office/drawing/2014/main" xmlns="" id="{7ED355FE-B6F2-F055-C2DE-6FD8E9341552}"/>
               </a:ext>
             </a:extLst>
           </p:cNvPr>
@@ -14507,20 +14576,20 @@
     </p:spTree>
     <p:extLst>
       <p:ext uri="{BB962C8B-B14F-4D97-AF65-F5344CB8AC3E}">
-        <p14:creationId xmlns:p14="http://schemas.microsoft.com/office/powerpoint/2010/main" val="2934707676"/>
+        <p14:creationId xmlns:p14="http://schemas.microsoft.com/office/powerpoint/2010/main" xmlns="" val="2934707676"/>
       </p:ext>
     </p:extLst>
   </p:cSld>
   <p:clrMapOvr>
     <a:masterClrMapping/>
   </p:clrMapOvr>
-  <mc:AlternateContent xmlns:mc="http://schemas.openxmlformats.org/markup-compatibility/2006" xmlns:p14="http://schemas.microsoft.com/office/powerpoint/2010/main">
-    <mc:Choice Requires="p14">
+  <mc:AlternateContent xmlns:mc="http://schemas.openxmlformats.org/markup-compatibility/2006">
+    <mc:Choice xmlns:p14="http://schemas.microsoft.com/office/powerpoint/2010/main" xmlns="" Requires="p14">
       <p:transition spd="slow" p14:dur="1500">
         <p:split orient="vert"/>
       </p:transition>
     </mc:Choice>
-    <mc:Fallback xmlns="">
+    <mc:Fallback>
       <p:transition spd="slow">
         <p:split orient="vert"/>
       </p:transition>
@@ -14551,7 +14620,7 @@
           <p:cNvPr id="2" name="Title 1">
             <a:extLst>
               <a:ext uri="{FF2B5EF4-FFF2-40B4-BE49-F238E27FC236}">
-                <a16:creationId xmlns:a16="http://schemas.microsoft.com/office/drawing/2014/main" id="{63352C7D-0F61-4BD2-4756-7A8EC1ACB938}"/>
+                <a16:creationId xmlns:a16="http://schemas.microsoft.com/office/drawing/2014/main" xmlns="" id="{63352C7D-0F61-4BD2-4756-7A8EC1ACB938}"/>
               </a:ext>
             </a:extLst>
           </p:cNvPr>
@@ -14585,6 +14654,15 @@
               </a:rPr>
               <a:t>EXISTING LIMITATION</a:t>
             </a:r>
+            <a:r>
+              <a:rPr lang="en-IN" sz="3200" dirty="0">
+                <a:effectLst/>
+                <a:latin typeface="Calibri" panose="020F0502020204030204" pitchFamily="34" charset="0"/>
+                <a:ea typeface="Calibri" panose="020F0502020204030204" pitchFamily="34" charset="0"/>
+                <a:cs typeface="Times New Roman" panose="02020603050405020304" pitchFamily="18" charset="0"/>
+              </a:rPr>
+              <a:t/>
+            </a:r>
             <a:br>
               <a:rPr lang="en-IN" sz="3200" dirty="0">
                 <a:effectLst/>
@@ -14602,7 +14680,7 @@
           <p:cNvPr id="3" name="Content Placeholder 2">
             <a:extLst>
               <a:ext uri="{FF2B5EF4-FFF2-40B4-BE49-F238E27FC236}">
-                <a16:creationId xmlns:a16="http://schemas.microsoft.com/office/drawing/2014/main" id="{DEBB92AF-24CE-F829-45A5-F79EF7A54574}"/>
+                <a16:creationId xmlns:a16="http://schemas.microsoft.com/office/drawing/2014/main" xmlns="" id="{DEBB92AF-24CE-F829-45A5-F79EF7A54574}"/>
               </a:ext>
             </a:extLst>
           </p:cNvPr>
@@ -14808,20 +14886,20 @@
     </p:spTree>
     <p:extLst>
       <p:ext uri="{BB962C8B-B14F-4D97-AF65-F5344CB8AC3E}">
-        <p14:creationId xmlns:p14="http://schemas.microsoft.com/office/powerpoint/2010/main" val="3909790799"/>
+        <p14:creationId xmlns:p14="http://schemas.microsoft.com/office/powerpoint/2010/main" xmlns="" val="3909790799"/>
       </p:ext>
     </p:extLst>
   </p:cSld>
   <p:clrMapOvr>
     <a:masterClrMapping/>
   </p:clrMapOvr>
-  <mc:AlternateContent xmlns:mc="http://schemas.openxmlformats.org/markup-compatibility/2006" xmlns:p14="http://schemas.microsoft.com/office/powerpoint/2010/main">
-    <mc:Choice Requires="p14">
+  <mc:AlternateContent xmlns:mc="http://schemas.openxmlformats.org/markup-compatibility/2006">
+    <mc:Choice xmlns:p14="http://schemas.microsoft.com/office/powerpoint/2010/main" xmlns="" Requires="p14">
       <p:transition spd="slow" p14:dur="1500">
         <p:split orient="vert"/>
       </p:transition>
     </mc:Choice>
-    <mc:Fallback xmlns="">
+    <mc:Fallback>
       <p:transition spd="slow">
         <p:split orient="vert"/>
       </p:transition>
@@ -14852,7 +14930,7 @@
           <p:cNvPr id="2" name="Title 1">
             <a:extLst>
               <a:ext uri="{FF2B5EF4-FFF2-40B4-BE49-F238E27FC236}">
-                <a16:creationId xmlns:a16="http://schemas.microsoft.com/office/drawing/2014/main" id="{68D99BDE-7113-72AC-5864-717BE894FAB5}"/>
+                <a16:creationId xmlns:a16="http://schemas.microsoft.com/office/drawing/2014/main" xmlns="" id="{68D99BDE-7113-72AC-5864-717BE894FAB5}"/>
               </a:ext>
             </a:extLst>
           </p:cNvPr>
@@ -14877,7 +14955,7 @@
           <p:cNvPr id="3" name="Content Placeholder 2">
             <a:extLst>
               <a:ext uri="{FF2B5EF4-FFF2-40B4-BE49-F238E27FC236}">
-                <a16:creationId xmlns:a16="http://schemas.microsoft.com/office/drawing/2014/main" id="{3FE4B056-95DA-E6E1-7CE7-25FF378FC008}"/>
+                <a16:creationId xmlns:a16="http://schemas.microsoft.com/office/drawing/2014/main" xmlns="" id="{3FE4B056-95DA-E6E1-7CE7-25FF378FC008}"/>
               </a:ext>
             </a:extLst>
           </p:cNvPr>
@@ -15099,7 +15177,7 @@
     </p:spTree>
     <p:extLst>
       <p:ext uri="{BB962C8B-B14F-4D97-AF65-F5344CB8AC3E}">
-        <p14:creationId xmlns:p14="http://schemas.microsoft.com/office/powerpoint/2010/main" val="2472172146"/>
+        <p14:creationId xmlns:p14="http://schemas.microsoft.com/office/powerpoint/2010/main" xmlns="" val="2472172146"/>
       </p:ext>
     </p:extLst>
   </p:cSld>
@@ -15134,7 +15212,7 @@
           <p:cNvPr id="2" name="Title 1">
             <a:extLst>
               <a:ext uri="{FF2B5EF4-FFF2-40B4-BE49-F238E27FC236}">
-                <a16:creationId xmlns:a16="http://schemas.microsoft.com/office/drawing/2014/main" id="{6AD4970C-5296-5508-FBBE-C83BED73B7C7}"/>
+                <a16:creationId xmlns:a16="http://schemas.microsoft.com/office/drawing/2014/main" xmlns="" id="{6AD4970C-5296-5508-FBBE-C83BED73B7C7}"/>
               </a:ext>
             </a:extLst>
           </p:cNvPr>
@@ -15162,7 +15240,7 @@
           <p:cNvPr id="8" name="Content Placeholder 7">
             <a:extLst>
               <a:ext uri="{FF2B5EF4-FFF2-40B4-BE49-F238E27FC236}">
-                <a16:creationId xmlns:a16="http://schemas.microsoft.com/office/drawing/2014/main" id="{D29EA634-506F-5D87-BCCF-75554C00E79B}"/>
+                <a16:creationId xmlns:a16="http://schemas.microsoft.com/office/drawing/2014/main" xmlns="" id="{D29EA634-506F-5D87-BCCF-75554C00E79B}"/>
               </a:ext>
             </a:extLst>
           </p:cNvPr>
@@ -15189,7 +15267,7 @@
     </p:spTree>
     <p:extLst>
       <p:ext uri="{BB962C8B-B14F-4D97-AF65-F5344CB8AC3E}">
-        <p14:creationId xmlns:p14="http://schemas.microsoft.com/office/powerpoint/2010/main" val="3405523167"/>
+        <p14:creationId xmlns:p14="http://schemas.microsoft.com/office/powerpoint/2010/main" xmlns="" val="3405523167"/>
       </p:ext>
     </p:extLst>
   </p:cSld>
@@ -15224,7 +15302,7 @@
           <p:cNvPr id="2" name="Title 1">
             <a:extLst>
               <a:ext uri="{FF2B5EF4-FFF2-40B4-BE49-F238E27FC236}">
-                <a16:creationId xmlns:a16="http://schemas.microsoft.com/office/drawing/2014/main" id="{F6DB57EF-BD68-0594-2F24-B8DCBB4E44E3}"/>
+                <a16:creationId xmlns:a16="http://schemas.microsoft.com/office/drawing/2014/main" xmlns="" id="{F6DB57EF-BD68-0594-2F24-B8DCBB4E44E3}"/>
               </a:ext>
             </a:extLst>
           </p:cNvPr>
@@ -15248,6 +15326,15 @@
               </a:rPr>
               <a:t>                           PROPOSED SYSTEM</a:t>
             </a:r>
+            <a:r>
+              <a:rPr lang="en-IN" sz="2400" dirty="0">
+                <a:effectLst/>
+                <a:latin typeface="Calibri" panose="020F0502020204030204" pitchFamily="34" charset="0"/>
+                <a:ea typeface="Calibri" panose="020F0502020204030204" pitchFamily="34" charset="0"/>
+                <a:cs typeface="Times New Roman" panose="02020603050405020304" pitchFamily="18" charset="0"/>
+              </a:rPr>
+              <a:t/>
+            </a:r>
             <a:br>
               <a:rPr lang="en-IN" sz="2400" dirty="0">
                 <a:effectLst/>
@@ -15265,7 +15352,7 @@
           <p:cNvPr id="3" name="Content Placeholder 2">
             <a:extLst>
               <a:ext uri="{FF2B5EF4-FFF2-40B4-BE49-F238E27FC236}">
-                <a16:creationId xmlns:a16="http://schemas.microsoft.com/office/drawing/2014/main" id="{6F96AC07-614E-6258-147A-ECBDB84283B5}"/>
+                <a16:creationId xmlns:a16="http://schemas.microsoft.com/office/drawing/2014/main" xmlns="" id="{6F96AC07-614E-6258-147A-ECBDB84283B5}"/>
               </a:ext>
             </a:extLst>
           </p:cNvPr>
@@ -15328,7 +15415,7 @@
     </p:spTree>
     <p:extLst>
       <p:ext uri="{BB962C8B-B14F-4D97-AF65-F5344CB8AC3E}">
-        <p14:creationId xmlns:p14="http://schemas.microsoft.com/office/powerpoint/2010/main" val="3255504186"/>
+        <p14:creationId xmlns:p14="http://schemas.microsoft.com/office/powerpoint/2010/main" xmlns="" val="3255504186"/>
       </p:ext>
     </p:extLst>
   </p:cSld>
@@ -15363,7 +15450,7 @@
           <p:cNvPr id="6" name="Content Placeholder 5">
             <a:extLst>
               <a:ext uri="{FF2B5EF4-FFF2-40B4-BE49-F238E27FC236}">
-                <a16:creationId xmlns:a16="http://schemas.microsoft.com/office/drawing/2014/main" id="{F61810DF-BD65-FC9A-5EB9-028239A982CD}"/>
+                <a16:creationId xmlns:a16="http://schemas.microsoft.com/office/drawing/2014/main" xmlns="" id="{F61810DF-BD65-FC9A-5EB9-028239A982CD}"/>
               </a:ext>
             </a:extLst>
           </p:cNvPr>
@@ -15435,7 +15522,7 @@
           <p:cNvPr id="7" name="Picture 6">
             <a:extLst>
               <a:ext uri="{FF2B5EF4-FFF2-40B4-BE49-F238E27FC236}">
-                <a16:creationId xmlns:a16="http://schemas.microsoft.com/office/drawing/2014/main" id="{8BB2DD77-2B49-357C-3A34-45852F2F9D0E}"/>
+                <a16:creationId xmlns:a16="http://schemas.microsoft.com/office/drawing/2014/main" xmlns="" id="{8BB2DD77-2B49-357C-3A34-45852F2F9D0E}"/>
               </a:ext>
             </a:extLst>
           </p:cNvPr>
@@ -15471,7 +15558,7 @@
     </p:spTree>
     <p:extLst>
       <p:ext uri="{BB962C8B-B14F-4D97-AF65-F5344CB8AC3E}">
-        <p14:creationId xmlns:p14="http://schemas.microsoft.com/office/powerpoint/2010/main" val="1009476945"/>
+        <p14:creationId xmlns:p14="http://schemas.microsoft.com/office/powerpoint/2010/main" xmlns="" val="1009476945"/>
       </p:ext>
     </p:extLst>
   </p:cSld>
@@ -15506,7 +15593,7 @@
           <p:cNvPr id="2" name="Title 1">
             <a:extLst>
               <a:ext uri="{FF2B5EF4-FFF2-40B4-BE49-F238E27FC236}">
-                <a16:creationId xmlns:a16="http://schemas.microsoft.com/office/drawing/2014/main" id="{A8D71A03-77AF-C550-4DFE-C101A21D0102}"/>
+                <a16:creationId xmlns:a16="http://schemas.microsoft.com/office/drawing/2014/main" xmlns="" id="{A8D71A03-77AF-C550-4DFE-C101A21D0102}"/>
               </a:ext>
             </a:extLst>
           </p:cNvPr>
@@ -15531,7 +15618,7 @@
           <p:cNvPr id="3" name="Content Placeholder 2">
             <a:extLst>
               <a:ext uri="{FF2B5EF4-FFF2-40B4-BE49-F238E27FC236}">
-                <a16:creationId xmlns:a16="http://schemas.microsoft.com/office/drawing/2014/main" id="{4C6D7F60-886C-0637-A4A2-8F57C327A196}"/>
+                <a16:creationId xmlns:a16="http://schemas.microsoft.com/office/drawing/2014/main" xmlns="" id="{4C6D7F60-886C-0637-A4A2-8F57C327A196}"/>
               </a:ext>
             </a:extLst>
           </p:cNvPr>
@@ -15674,7 +15761,7 @@
     </p:spTree>
     <p:extLst>
       <p:ext uri="{BB962C8B-B14F-4D97-AF65-F5344CB8AC3E}">
-        <p14:creationId xmlns:p14="http://schemas.microsoft.com/office/powerpoint/2010/main" val="487011384"/>
+        <p14:creationId xmlns:p14="http://schemas.microsoft.com/office/powerpoint/2010/main" xmlns="" val="487011384"/>
       </p:ext>
     </p:extLst>
   </p:cSld>
@@ -15709,7 +15796,7 @@
           <p:cNvPr id="2" name="Title 1">
             <a:extLst>
               <a:ext uri="{FF2B5EF4-FFF2-40B4-BE49-F238E27FC236}">
-                <a16:creationId xmlns:a16="http://schemas.microsoft.com/office/drawing/2014/main" id="{B0200F3C-6589-5BCF-BA30-98D353B7BC63}"/>
+                <a16:creationId xmlns:a16="http://schemas.microsoft.com/office/drawing/2014/main" xmlns="" id="{B0200F3C-6589-5BCF-BA30-98D353B7BC63}"/>
               </a:ext>
             </a:extLst>
           </p:cNvPr>
@@ -15744,7 +15831,7 @@
           <p:cNvPr id="3" name="Content Placeholder 2">
             <a:extLst>
               <a:ext uri="{FF2B5EF4-FFF2-40B4-BE49-F238E27FC236}">
-                <a16:creationId xmlns:a16="http://schemas.microsoft.com/office/drawing/2014/main" id="{214F3D3A-41AA-6E8A-42AA-2A069CEF7EE8}"/>
+                <a16:creationId xmlns:a16="http://schemas.microsoft.com/office/drawing/2014/main" xmlns="" id="{214F3D3A-41AA-6E8A-42AA-2A069CEF7EE8}"/>
               </a:ext>
             </a:extLst>
           </p:cNvPr>
@@ -15881,7 +15968,7 @@
     </p:spTree>
     <p:extLst>
       <p:ext uri="{BB962C8B-B14F-4D97-AF65-F5344CB8AC3E}">
-        <p14:creationId xmlns:p14="http://schemas.microsoft.com/office/powerpoint/2010/main" val="3906951105"/>
+        <p14:creationId xmlns:p14="http://schemas.microsoft.com/office/powerpoint/2010/main" xmlns="" val="3906951105"/>
       </p:ext>
     </p:extLst>
   </p:cSld>
@@ -15916,7 +16003,7 @@
           <p:cNvPr id="2" name="Title 1">
             <a:extLst>
               <a:ext uri="{FF2B5EF4-FFF2-40B4-BE49-F238E27FC236}">
-                <a16:creationId xmlns:a16="http://schemas.microsoft.com/office/drawing/2014/main" id="{B734220A-5097-4003-04CE-7DF682584CED}"/>
+                <a16:creationId xmlns:a16="http://schemas.microsoft.com/office/drawing/2014/main" xmlns="" id="{B734220A-5097-4003-04CE-7DF682584CED}"/>
               </a:ext>
             </a:extLst>
           </p:cNvPr>
@@ -15941,7 +16028,7 @@
           <p:cNvPr id="3" name="Content Placeholder 2">
             <a:extLst>
               <a:ext uri="{FF2B5EF4-FFF2-40B4-BE49-F238E27FC236}">
-                <a16:creationId xmlns:a16="http://schemas.microsoft.com/office/drawing/2014/main" id="{E6A5AA50-6EA7-EADB-EAFE-56C39039FD16}"/>
+                <a16:creationId xmlns:a16="http://schemas.microsoft.com/office/drawing/2014/main" xmlns="" id="{E6A5AA50-6EA7-EADB-EAFE-56C39039FD16}"/>
               </a:ext>
             </a:extLst>
           </p:cNvPr>
@@ -16009,7 +16096,7 @@
     </p:spTree>
     <p:extLst>
       <p:ext uri="{BB962C8B-B14F-4D97-AF65-F5344CB8AC3E}">
-        <p14:creationId xmlns:p14="http://schemas.microsoft.com/office/powerpoint/2010/main" val="1484397618"/>
+        <p14:creationId xmlns:p14="http://schemas.microsoft.com/office/powerpoint/2010/main" xmlns="" val="1484397618"/>
       </p:ext>
     </p:extLst>
   </p:cSld>
@@ -16044,7 +16131,7 @@
           <p:cNvPr id="2" name="Title 1">
             <a:extLst>
               <a:ext uri="{FF2B5EF4-FFF2-40B4-BE49-F238E27FC236}">
-                <a16:creationId xmlns:a16="http://schemas.microsoft.com/office/drawing/2014/main" id="{C44EA467-9D6B-8858-9A0D-B31F58933DC6}"/>
+                <a16:creationId xmlns:a16="http://schemas.microsoft.com/office/drawing/2014/main" xmlns="" id="{C44EA467-9D6B-8858-9A0D-B31F58933DC6}"/>
               </a:ext>
             </a:extLst>
           </p:cNvPr>
@@ -16069,6 +16156,15 @@
               </a:rPr>
               <a:t>                         SYSTEM ARCHEITURE</a:t>
             </a:r>
+            <a:r>
+              <a:rPr lang="en-IN" sz="1800" dirty="0">
+                <a:effectLst/>
+                <a:latin typeface="Calibri" panose="020F0502020204030204" pitchFamily="34" charset="0"/>
+                <a:ea typeface="Calibri" panose="020F0502020204030204" pitchFamily="34" charset="0"/>
+                <a:cs typeface="Times New Roman" panose="02020603050405020304" pitchFamily="18" charset="0"/>
+              </a:rPr>
+              <a:t/>
+            </a:r>
             <a:br>
               <a:rPr lang="en-IN" sz="1800" dirty="0">
                 <a:effectLst/>
@@ -16086,7 +16182,7 @@
           <p:cNvPr id="4" name="Content Placeholder 3">
             <a:extLst>
               <a:ext uri="{FF2B5EF4-FFF2-40B4-BE49-F238E27FC236}">
-                <a16:creationId xmlns:a16="http://schemas.microsoft.com/office/drawing/2014/main" id="{3FCC65C0-E005-7AE9-1703-822827457633}"/>
+                <a16:creationId xmlns:a16="http://schemas.microsoft.com/office/drawing/2014/main" xmlns="" id="{3FCC65C0-E005-7AE9-1703-822827457633}"/>
               </a:ext>
             </a:extLst>
           </p:cNvPr>
@@ -16126,7 +16222,7 @@
           <p:cNvPr id="6" name="TextBox 5">
             <a:extLst>
               <a:ext uri="{FF2B5EF4-FFF2-40B4-BE49-F238E27FC236}">
-                <a16:creationId xmlns:a16="http://schemas.microsoft.com/office/drawing/2014/main" id="{D52E3CBD-14E2-BF19-541E-E25A35C1CA23}"/>
+                <a16:creationId xmlns:a16="http://schemas.microsoft.com/office/drawing/2014/main" xmlns="" id="{D52E3CBD-14E2-BF19-541E-E25A35C1CA23}"/>
               </a:ext>
             </a:extLst>
           </p:cNvPr>
@@ -16188,7 +16284,7 @@
     </p:spTree>
     <p:extLst>
       <p:ext uri="{BB962C8B-B14F-4D97-AF65-F5344CB8AC3E}">
-        <p14:creationId xmlns:p14="http://schemas.microsoft.com/office/powerpoint/2010/main" val="3966123927"/>
+        <p14:creationId xmlns:p14="http://schemas.microsoft.com/office/powerpoint/2010/main" xmlns="" val="3966123927"/>
       </p:ext>
     </p:extLst>
   </p:cSld>
@@ -16223,7 +16319,7 @@
           <p:cNvPr id="2" name="Title 1">
             <a:extLst>
               <a:ext uri="{FF2B5EF4-FFF2-40B4-BE49-F238E27FC236}">
-                <a16:creationId xmlns:a16="http://schemas.microsoft.com/office/drawing/2014/main" id="{2BF4BE7A-B6AC-9E37-F2F3-1E7946654742}"/>
+                <a16:creationId xmlns:a16="http://schemas.microsoft.com/office/drawing/2014/main" xmlns="" id="{2BF4BE7A-B6AC-9E37-F2F3-1E7946654742}"/>
               </a:ext>
             </a:extLst>
           </p:cNvPr>
@@ -16248,7 +16344,7 @@
           <p:cNvPr id="3" name="Content Placeholder 2">
             <a:extLst>
               <a:ext uri="{FF2B5EF4-FFF2-40B4-BE49-F238E27FC236}">
-                <a16:creationId xmlns:a16="http://schemas.microsoft.com/office/drawing/2014/main" id="{BF468371-6137-16B8-C33B-C9BB9A69A162}"/>
+                <a16:creationId xmlns:a16="http://schemas.microsoft.com/office/drawing/2014/main" xmlns="" id="{BF468371-6137-16B8-C33B-C9BB9A69A162}"/>
               </a:ext>
             </a:extLst>
           </p:cNvPr>
@@ -16527,7 +16623,7 @@
     </p:spTree>
     <p:extLst>
       <p:ext uri="{BB962C8B-B14F-4D97-AF65-F5344CB8AC3E}">
-        <p14:creationId xmlns:p14="http://schemas.microsoft.com/office/powerpoint/2010/main" val="4108913681"/>
+        <p14:creationId xmlns:p14="http://schemas.microsoft.com/office/powerpoint/2010/main" xmlns="" val="4108913681"/>
       </p:ext>
     </p:extLst>
   </p:cSld>
@@ -16562,7 +16658,7 @@
           <p:cNvPr id="2" name="Title 1">
             <a:extLst>
               <a:ext uri="{FF2B5EF4-FFF2-40B4-BE49-F238E27FC236}">
-                <a16:creationId xmlns:a16="http://schemas.microsoft.com/office/drawing/2014/main" id="{FF20DFB6-0FDB-0AE3-B520-C2585E151AA9}"/>
+                <a16:creationId xmlns:a16="http://schemas.microsoft.com/office/drawing/2014/main" xmlns="" id="{FF20DFB6-0FDB-0AE3-B520-C2585E151AA9}"/>
               </a:ext>
             </a:extLst>
           </p:cNvPr>
@@ -16594,7 +16690,7 @@
           <p:cNvPr id="6" name="Content Placeholder 5">
             <a:extLst>
               <a:ext uri="{FF2B5EF4-FFF2-40B4-BE49-F238E27FC236}">
-                <a16:creationId xmlns:a16="http://schemas.microsoft.com/office/drawing/2014/main" id="{5C3A1EB2-5FA3-68A4-8E5A-DDC2659A64B3}"/>
+                <a16:creationId xmlns:a16="http://schemas.microsoft.com/office/drawing/2014/main" xmlns="" id="{5C3A1EB2-5FA3-68A4-8E5A-DDC2659A64B3}"/>
               </a:ext>
             </a:extLst>
           </p:cNvPr>
@@ -16777,20 +16873,20 @@
     </p:spTree>
     <p:extLst>
       <p:ext uri="{BB962C8B-B14F-4D97-AF65-F5344CB8AC3E}">
-        <p14:creationId xmlns:p14="http://schemas.microsoft.com/office/powerpoint/2010/main" val="3568165746"/>
+        <p14:creationId xmlns:p14="http://schemas.microsoft.com/office/powerpoint/2010/main" xmlns="" val="3568165746"/>
       </p:ext>
     </p:extLst>
   </p:cSld>
   <p:clrMapOvr>
     <a:masterClrMapping/>
   </p:clrMapOvr>
-  <mc:AlternateContent xmlns:mc="http://schemas.openxmlformats.org/markup-compatibility/2006" xmlns:p14="http://schemas.microsoft.com/office/powerpoint/2010/main">
-    <mc:Choice Requires="p14">
+  <mc:AlternateContent xmlns:mc="http://schemas.openxmlformats.org/markup-compatibility/2006">
+    <mc:Choice xmlns:p14="http://schemas.microsoft.com/office/powerpoint/2010/main" xmlns="" Requires="p14">
       <p:transition spd="slow" p14:dur="1500">
         <p:split orient="vert"/>
       </p:transition>
     </mc:Choice>
-    <mc:Fallback xmlns="">
+    <mc:Fallback>
       <p:transition spd="slow">
         <p:split orient="vert"/>
       </p:transition>
@@ -16818,10 +16914,347 @@
       </p:grpSpPr>
       <p:sp>
         <p:nvSpPr>
+          <p:cNvPr id="2" name="Title 1"/>
+          <p:cNvSpPr>
+            <a:spLocks noGrp="1"/>
+          </p:cNvSpPr>
+          <p:nvPr>
+            <p:ph type="title"/>
+          </p:nvPr>
+        </p:nvSpPr>
+        <p:spPr/>
+        <p:txBody>
+          <a:bodyPr/>
+          <a:lstStyle/>
+          <a:p>
+            <a:endParaRPr lang="en-US"/>
+          </a:p>
+        </p:txBody>
+      </p:sp>
+      <p:sp>
+        <p:nvSpPr>
+          <p:cNvPr id="3" name="Content Placeholder 2"/>
+          <p:cNvSpPr>
+            <a:spLocks noGrp="1"/>
+          </p:cNvSpPr>
+          <p:nvPr>
+            <p:ph idx="1"/>
+          </p:nvPr>
+        </p:nvSpPr>
+        <p:spPr/>
+        <p:txBody>
+          <a:bodyPr>
+            <a:normAutofit lnSpcReduction="10000"/>
+          </a:bodyPr>
+          <a:lstStyle/>
+          <a:p>
+            <a:r>
+              <a:rPr lang="en-IN" b="1" dirty="0" smtClean="0"/>
+              <a:t>DATA ANALYSIS</a:t>
+            </a:r>
+            <a:endParaRPr lang="en-US" b="1" dirty="0" smtClean="0"/>
+          </a:p>
+          <a:p>
+            <a:r>
+              <a:rPr lang="en-IN" dirty="0" smtClean="0"/>
+              <a:t>Here I will explain the dataset.</a:t>
+            </a:r>
+            <a:endParaRPr lang="en-US" dirty="0" smtClean="0"/>
+          </a:p>
+          <a:p>
+            <a:r>
+              <a:rPr lang="en-IN" dirty="0" smtClean="0"/>
+              <a:t>In this python project, we have used the CSV dataset. The dataset contains 57796 rows and 4 columns.</a:t>
+            </a:r>
+            <a:endParaRPr lang="en-US" dirty="0" smtClean="0"/>
+          </a:p>
+          <a:p>
+            <a:r>
+              <a:rPr lang="en-IN" dirty="0" smtClean="0"/>
+              <a:t>This dataset has four columns,</a:t>
+            </a:r>
+            <a:endParaRPr lang="en-US" dirty="0" smtClean="0"/>
+          </a:p>
+          <a:p>
+            <a:pPr lvl="0"/>
+            <a:r>
+              <a:rPr lang="en-IN" b="1" dirty="0" smtClean="0"/>
+              <a:t>title</a:t>
+            </a:r>
+            <a:r>
+              <a:rPr lang="en-IN" dirty="0" smtClean="0"/>
+              <a:t>: this represents the title of the news.</a:t>
+            </a:r>
+            <a:endParaRPr lang="en-US" dirty="0" smtClean="0"/>
+          </a:p>
+          <a:p>
+            <a:pPr lvl="0"/>
+            <a:r>
+              <a:rPr lang="en-IN" b="1" dirty="0" smtClean="0"/>
+              <a:t>author</a:t>
+            </a:r>
+            <a:r>
+              <a:rPr lang="en-IN" dirty="0" smtClean="0"/>
+              <a:t>: this represents the name of the author who has written the news.</a:t>
+            </a:r>
+            <a:endParaRPr lang="en-US" dirty="0" smtClean="0"/>
+          </a:p>
+          <a:p>
+            <a:pPr lvl="0"/>
+            <a:r>
+              <a:rPr lang="en-IN" b="1" dirty="0" smtClean="0"/>
+              <a:t>text</a:t>
+            </a:r>
+            <a:r>
+              <a:rPr lang="en-IN" dirty="0" smtClean="0"/>
+              <a:t>: this column has the news itself.</a:t>
+            </a:r>
+            <a:endParaRPr lang="en-US" dirty="0" smtClean="0"/>
+          </a:p>
+          <a:p>
+            <a:pPr lvl="0"/>
+            <a:r>
+              <a:rPr lang="en-IN" b="1" dirty="0" smtClean="0"/>
+              <a:t>label</a:t>
+            </a:r>
+            <a:r>
+              <a:rPr lang="en-IN" dirty="0" smtClean="0"/>
+              <a:t>: this is a binary column representing if the news is fake or real </a:t>
+            </a:r>
+            <a:endParaRPr lang="en-US" dirty="0" smtClean="0"/>
+          </a:p>
+          <a:p>
+            <a:endParaRPr lang="en-US" dirty="0"/>
+          </a:p>
+        </p:txBody>
+      </p:sp>
+    </p:spTree>
+  </p:cSld>
+  <p:clrMapOvr>
+    <a:masterClrMapping/>
+  </p:clrMapOvr>
+</p:sld>
+</file>
+
+<file path=ppt/slides/slide25.xml><?xml version="1.0" encoding="utf-8"?>
+<p:sld xmlns:a="http://schemas.openxmlformats.org/drawingml/2006/main" xmlns:r="http://schemas.openxmlformats.org/officeDocument/2006/relationships" xmlns:p="http://schemas.openxmlformats.org/presentationml/2006/main">
+  <p:cSld>
+    <p:spTree>
+      <p:nvGrpSpPr>
+        <p:cNvPr id="1" name=""/>
+        <p:cNvGrpSpPr/>
+        <p:nvPr/>
+      </p:nvGrpSpPr>
+      <p:grpSpPr>
+        <a:xfrm>
+          <a:off x="0" y="0"/>
+          <a:ext cx="0" cy="0"/>
+          <a:chOff x="0" y="0"/>
+          <a:chExt cx="0" cy="0"/>
+        </a:xfrm>
+      </p:grpSpPr>
+      <p:sp>
+        <p:nvSpPr>
+          <p:cNvPr id="2" name="Title 1"/>
+          <p:cNvSpPr>
+            <a:spLocks noGrp="1"/>
+          </p:cNvSpPr>
+          <p:nvPr>
+            <p:ph type="title"/>
+          </p:nvPr>
+        </p:nvSpPr>
+        <p:spPr/>
+        <p:txBody>
+          <a:bodyPr/>
+          <a:lstStyle/>
+          <a:p>
+            <a:endParaRPr lang="en-US"/>
+          </a:p>
+        </p:txBody>
+      </p:sp>
+      <p:sp>
+        <p:nvSpPr>
+          <p:cNvPr id="3" name="Content Placeholder 2"/>
+          <p:cNvSpPr>
+            <a:spLocks noGrp="1"/>
+          </p:cNvSpPr>
+          <p:nvPr>
+            <p:ph idx="1"/>
+          </p:nvPr>
+        </p:nvSpPr>
+        <p:spPr/>
+        <p:txBody>
+          <a:bodyPr/>
+          <a:lstStyle/>
+          <a:p>
+            <a:r>
+              <a:rPr lang="en-US" dirty="0" smtClean="0"/>
+              <a:t># PASSIVE-AGGRESSIVE CLASSIFIER</a:t>
+            </a:r>
+          </a:p>
+          <a:p>
+            <a:r>
+              <a:rPr lang="en-US" dirty="0" smtClean="0"/>
+              <a:t>from </a:t>
+            </a:r>
+            <a:r>
+              <a:rPr lang="en-US" dirty="0" err="1" smtClean="0"/>
+              <a:t>sklearn.metrics</a:t>
+            </a:r>
+            <a:r>
+              <a:rPr lang="en-US" dirty="0" smtClean="0"/>
+              <a:t> import </a:t>
+            </a:r>
+            <a:r>
+              <a:rPr lang="en-US" dirty="0" err="1" smtClean="0"/>
+              <a:t>accuracy_scorefrom</a:t>
+            </a:r>
+            <a:r>
+              <a:rPr lang="en-US" dirty="0" smtClean="0"/>
+              <a:t> </a:t>
+            </a:r>
+            <a:r>
+              <a:rPr lang="en-US" dirty="0" err="1" smtClean="0"/>
+              <a:t>sklearn.linear_model</a:t>
+            </a:r>
+            <a:r>
+              <a:rPr lang="en-US" dirty="0" smtClean="0"/>
+              <a:t> import </a:t>
+            </a:r>
+            <a:r>
+              <a:rPr lang="en-US" dirty="0" err="1" smtClean="0"/>
+              <a:t>PassiveAggressiveClassifier</a:t>
+            </a:r>
+            <a:r>
+              <a:rPr lang="en-US" dirty="0" smtClean="0"/>
+              <a:t>  </a:t>
+            </a:r>
+            <a:r>
+              <a:rPr lang="en-US" dirty="0" err="1" smtClean="0"/>
+              <a:t>pac</a:t>
+            </a:r>
+            <a:r>
+              <a:rPr lang="en-US" dirty="0" smtClean="0"/>
+              <a:t>=</a:t>
+            </a:r>
+            <a:r>
+              <a:rPr lang="en-US" dirty="0" err="1" smtClean="0"/>
+              <a:t>PassiveAggressiveClassifier</a:t>
+            </a:r>
+            <a:r>
+              <a:rPr lang="en-US" dirty="0" smtClean="0"/>
+              <a:t>(</a:t>
+            </a:r>
+            <a:r>
+              <a:rPr lang="en-US" dirty="0" err="1" smtClean="0"/>
+              <a:t>max_iter</a:t>
+            </a:r>
+            <a:r>
+              <a:rPr lang="en-US" dirty="0" smtClean="0"/>
+              <a:t>=50) pac.fit(</a:t>
+            </a:r>
+            <a:r>
+              <a:rPr lang="en-US" dirty="0" err="1" smtClean="0"/>
+              <a:t>x_train,y_train</a:t>
+            </a:r>
+            <a:r>
+              <a:rPr lang="en-US" dirty="0" smtClean="0"/>
+              <a:t>) #Predict on the test set and calculate </a:t>
+            </a:r>
+            <a:r>
+              <a:rPr lang="en-US" dirty="0" err="1" smtClean="0"/>
+              <a:t>accuracyy_pred</a:t>
+            </a:r>
+            <a:r>
+              <a:rPr lang="en-US" dirty="0" smtClean="0"/>
+              <a:t>=</a:t>
+            </a:r>
+            <a:r>
+              <a:rPr lang="en-US" dirty="0" err="1" smtClean="0"/>
+              <a:t>pac.predict</a:t>
+            </a:r>
+            <a:r>
+              <a:rPr lang="en-US" dirty="0" smtClean="0"/>
+              <a:t>(</a:t>
+            </a:r>
+            <a:r>
+              <a:rPr lang="en-US" dirty="0" err="1" smtClean="0"/>
+              <a:t>x_test</a:t>
+            </a:r>
+            <a:r>
+              <a:rPr lang="en-US" dirty="0" smtClean="0"/>
+              <a:t>)score=</a:t>
+            </a:r>
+            <a:r>
+              <a:rPr lang="en-US" dirty="0" err="1" smtClean="0"/>
+              <a:t>accuracy_score</a:t>
+            </a:r>
+            <a:r>
+              <a:rPr lang="en-US" dirty="0" smtClean="0"/>
+              <a:t>(</a:t>
+            </a:r>
+            <a:r>
+              <a:rPr lang="en-US" dirty="0" err="1" smtClean="0"/>
+              <a:t>y_test,y_pred</a:t>
+            </a:r>
+            <a:r>
+              <a:rPr lang="en-US" dirty="0" smtClean="0"/>
+              <a:t>) print(</a:t>
+            </a:r>
+            <a:r>
+              <a:rPr lang="en-US" dirty="0" err="1" smtClean="0"/>
+              <a:t>f'Accuracy</a:t>
+            </a:r>
+            <a:r>
+              <a:rPr lang="en-US" dirty="0" smtClean="0"/>
+              <a:t>: {round(score*100,2)}%') Output:</a:t>
+            </a:r>
+          </a:p>
+          <a:p>
+            <a:r>
+              <a:rPr lang="en-US" dirty="0" smtClean="0"/>
+              <a:t>Accuracy: 93.12%</a:t>
+            </a:r>
+          </a:p>
+          <a:p>
+            <a:pPr>
+              <a:buNone/>
+            </a:pPr>
+            <a:endParaRPr lang="en-US" dirty="0"/>
+          </a:p>
+        </p:txBody>
+      </p:sp>
+    </p:spTree>
+  </p:cSld>
+  <p:clrMapOvr>
+    <a:masterClrMapping/>
+  </p:clrMapOvr>
+</p:sld>
+</file>
+
+<file path=ppt/slides/slide26.xml><?xml version="1.0" encoding="utf-8"?>
+<p:sld xmlns:a="http://schemas.openxmlformats.org/drawingml/2006/main" xmlns:r="http://schemas.openxmlformats.org/officeDocument/2006/relationships" xmlns:p="http://schemas.openxmlformats.org/presentationml/2006/main">
+  <p:cSld>
+    <p:spTree>
+      <p:nvGrpSpPr>
+        <p:cNvPr id="1" name=""/>
+        <p:cNvGrpSpPr/>
+        <p:nvPr/>
+      </p:nvGrpSpPr>
+      <p:grpSpPr>
+        <a:xfrm>
+          <a:off x="0" y="0"/>
+          <a:ext cx="0" cy="0"/>
+          <a:chOff x="0" y="0"/>
+          <a:chExt cx="0" cy="0"/>
+        </a:xfrm>
+      </p:grpSpPr>
+      <p:sp>
+        <p:nvSpPr>
           <p:cNvPr id="2" name="Title 1">
             <a:extLst>
               <a:ext uri="{FF2B5EF4-FFF2-40B4-BE49-F238E27FC236}">
-                <a16:creationId xmlns:a16="http://schemas.microsoft.com/office/drawing/2014/main" id="{407D8458-5527-4192-3819-BD06BFD7C6CA}"/>
+                <a16:creationId xmlns:a16="http://schemas.microsoft.com/office/drawing/2014/main" xmlns="" id="{407D8458-5527-4192-3819-BD06BFD7C6CA}"/>
               </a:ext>
             </a:extLst>
           </p:cNvPr>
@@ -16849,7 +17282,7 @@
           <p:cNvPr id="4" name="Content Placeholder 3">
             <a:extLst>
               <a:ext uri="{FF2B5EF4-FFF2-40B4-BE49-F238E27FC236}">
-                <a16:creationId xmlns:a16="http://schemas.microsoft.com/office/drawing/2014/main" id="{38DC750C-6D5A-1658-61C6-1CD8D2B63AA2}"/>
+                <a16:creationId xmlns:a16="http://schemas.microsoft.com/office/drawing/2014/main" xmlns="" id="{38DC750C-6D5A-1658-61C6-1CD8D2B63AA2}"/>
               </a:ext>
             </a:extLst>
           </p:cNvPr>
@@ -16889,7 +17322,7 @@
           <p:cNvPr id="5" name="Picture 4">
             <a:extLst>
               <a:ext uri="{FF2B5EF4-FFF2-40B4-BE49-F238E27FC236}">
-                <a16:creationId xmlns:a16="http://schemas.microsoft.com/office/drawing/2014/main" id="{6B600395-B6FB-7CF2-359B-186EBF6A620C}"/>
+                <a16:creationId xmlns:a16="http://schemas.microsoft.com/office/drawing/2014/main" xmlns="" id="{6B600395-B6FB-7CF2-359B-186EBF6A620C}"/>
               </a:ext>
             </a:extLst>
           </p:cNvPr>
@@ -16925,7 +17358,7 @@
     </p:spTree>
     <p:extLst>
       <p:ext uri="{BB962C8B-B14F-4D97-AF65-F5344CB8AC3E}">
-        <p14:creationId xmlns:p14="http://schemas.microsoft.com/office/powerpoint/2010/main" val="3725490870"/>
+        <p14:creationId xmlns:p14="http://schemas.microsoft.com/office/powerpoint/2010/main" xmlns="" val="3725490870"/>
       </p:ext>
     </p:extLst>
   </p:cSld>
@@ -16938,7 +17371,7 @@
 </p:sld>
 </file>
 
-<file path=ppt/slides/slide25.xml><?xml version="1.0" encoding="utf-8"?>
+<file path=ppt/slides/slide27.xml><?xml version="1.0" encoding="utf-8"?>
 <p:sld xmlns:a="http://schemas.openxmlformats.org/drawingml/2006/main" xmlns:r="http://schemas.openxmlformats.org/officeDocument/2006/relationships" xmlns:p="http://schemas.openxmlformats.org/presentationml/2006/main">
   <p:cSld>
     <p:spTree>
@@ -16960,7 +17393,7 @@
           <p:cNvPr id="2" name="Title 1">
             <a:extLst>
               <a:ext uri="{FF2B5EF4-FFF2-40B4-BE49-F238E27FC236}">
-                <a16:creationId xmlns:a16="http://schemas.microsoft.com/office/drawing/2014/main" id="{0FA1C1B1-5FD0-85A1-9B80-E2A5DA3339A2}"/>
+                <a16:creationId xmlns:a16="http://schemas.microsoft.com/office/drawing/2014/main" xmlns="" id="{0FA1C1B1-5FD0-85A1-9B80-E2A5DA3339A2}"/>
               </a:ext>
             </a:extLst>
           </p:cNvPr>
@@ -17011,7 +17444,7 @@
           <p:cNvPr id="3" name="Content Placeholder 2">
             <a:extLst>
               <a:ext uri="{FF2B5EF4-FFF2-40B4-BE49-F238E27FC236}">
-                <a16:creationId xmlns:a16="http://schemas.microsoft.com/office/drawing/2014/main" id="{70D2668A-6FFD-3820-0AC6-3ED9610260E7}"/>
+                <a16:creationId xmlns:a16="http://schemas.microsoft.com/office/drawing/2014/main" xmlns="" id="{70D2668A-6FFD-3820-0AC6-3ED9610260E7}"/>
               </a:ext>
             </a:extLst>
           </p:cNvPr>
@@ -17190,7 +17623,7 @@
           <p:cNvPr id="4" name="Picture 3" descr="Fake News Detection in the Medical Field Using Machine Learning Techniques  | IIETA">
             <a:extLst>
               <a:ext uri="{FF2B5EF4-FFF2-40B4-BE49-F238E27FC236}">
-                <a16:creationId xmlns:a16="http://schemas.microsoft.com/office/drawing/2014/main" id="{6D624C71-1FC5-2158-4746-064B5357903E}"/>
+                <a16:creationId xmlns:a16="http://schemas.microsoft.com/office/drawing/2014/main" xmlns="" id="{6D624C71-1FC5-2158-4746-064B5357903E}"/>
               </a:ext>
             </a:extLst>
           </p:cNvPr>
@@ -17226,7 +17659,7 @@
     </p:spTree>
     <p:extLst>
       <p:ext uri="{BB962C8B-B14F-4D97-AF65-F5344CB8AC3E}">
-        <p14:creationId xmlns:p14="http://schemas.microsoft.com/office/powerpoint/2010/main" val="2926064069"/>
+        <p14:creationId xmlns:p14="http://schemas.microsoft.com/office/powerpoint/2010/main" xmlns="" val="2926064069"/>
       </p:ext>
     </p:extLst>
   </p:cSld>
@@ -17239,7 +17672,7 @@
 </p:sld>
 </file>
 
-<file path=ppt/slides/slide26.xml><?xml version="1.0" encoding="utf-8"?>
+<file path=ppt/slides/slide28.xml><?xml version="1.0" encoding="utf-8"?>
 <p:sld xmlns:a="http://schemas.openxmlformats.org/drawingml/2006/main" xmlns:r="http://schemas.openxmlformats.org/officeDocument/2006/relationships" xmlns:p="http://schemas.openxmlformats.org/presentationml/2006/main">
   <p:cSld>
     <p:spTree>
@@ -17261,7 +17694,7 @@
           <p:cNvPr id="2" name="Title 1">
             <a:extLst>
               <a:ext uri="{FF2B5EF4-FFF2-40B4-BE49-F238E27FC236}">
-                <a16:creationId xmlns:a16="http://schemas.microsoft.com/office/drawing/2014/main" id="{302CAB63-C07B-6DAF-A1CD-24C6705B82B2}"/>
+                <a16:creationId xmlns:a16="http://schemas.microsoft.com/office/drawing/2014/main" xmlns="" id="{302CAB63-C07B-6DAF-A1CD-24C6705B82B2}"/>
               </a:ext>
             </a:extLst>
           </p:cNvPr>
@@ -17308,7 +17741,7 @@
           <p:cNvPr id="4" name="Content Placeholder 3">
             <a:extLst>
               <a:ext uri="{FF2B5EF4-FFF2-40B4-BE49-F238E27FC236}">
-                <a16:creationId xmlns:a16="http://schemas.microsoft.com/office/drawing/2014/main" id="{C32B99BC-B451-32BB-4FAE-4F49E958A3BD}"/>
+                <a16:creationId xmlns:a16="http://schemas.microsoft.com/office/drawing/2014/main" xmlns="" id="{C32B99BC-B451-32BB-4FAE-4F49E958A3BD}"/>
               </a:ext>
             </a:extLst>
           </p:cNvPr>
@@ -17328,8 +17761,8 @@
         </p:blipFill>
         <p:spPr bwMode="auto">
           <a:xfrm>
-            <a:off x="7543800" y="2921000"/>
-            <a:ext cx="3467100" cy="2781300"/>
+            <a:off x="2922494" y="2483225"/>
+            <a:ext cx="6338047" cy="3908610"/>
           </a:xfrm>
           <a:prstGeom prst="rect">
             <a:avLst/>
@@ -17346,7 +17779,7 @@
     </p:spTree>
     <p:extLst>
       <p:ext uri="{BB962C8B-B14F-4D97-AF65-F5344CB8AC3E}">
-        <p14:creationId xmlns:p14="http://schemas.microsoft.com/office/powerpoint/2010/main" val="3958120486"/>
+        <p14:creationId xmlns:p14="http://schemas.microsoft.com/office/powerpoint/2010/main" xmlns="" val="3958120486"/>
       </p:ext>
     </p:extLst>
   </p:cSld>
@@ -17359,7 +17792,7 @@
 </p:sld>
 </file>
 
-<file path=ppt/slides/slide27.xml><?xml version="1.0" encoding="utf-8"?>
+<file path=ppt/slides/slide29.xml><?xml version="1.0" encoding="utf-8"?>
 <p:sld xmlns:a="http://schemas.openxmlformats.org/drawingml/2006/main" xmlns:r="http://schemas.openxmlformats.org/officeDocument/2006/relationships" xmlns:p="http://schemas.openxmlformats.org/presentationml/2006/main">
   <p:cSld>
     <p:spTree>
@@ -17381,7 +17814,7 @@
           <p:cNvPr id="2" name="Title 1">
             <a:extLst>
               <a:ext uri="{FF2B5EF4-FFF2-40B4-BE49-F238E27FC236}">
-                <a16:creationId xmlns:a16="http://schemas.microsoft.com/office/drawing/2014/main" id="{1F7149A8-2281-201F-28B4-29C060BFE60B}"/>
+                <a16:creationId xmlns:a16="http://schemas.microsoft.com/office/drawing/2014/main" xmlns="" id="{1F7149A8-2281-201F-28B4-29C060BFE60B}"/>
               </a:ext>
             </a:extLst>
           </p:cNvPr>
@@ -17424,7 +17857,7 @@
           <p:cNvPr id="3" name="Content Placeholder 2">
             <a:extLst>
               <a:ext uri="{FF2B5EF4-FFF2-40B4-BE49-F238E27FC236}">
-                <a16:creationId xmlns:a16="http://schemas.microsoft.com/office/drawing/2014/main" id="{EC8442A0-F91C-EA4B-4E9C-65BF71D682C6}"/>
+                <a16:creationId xmlns:a16="http://schemas.microsoft.com/office/drawing/2014/main" xmlns="" id="{EC8442A0-F91C-EA4B-4E9C-65BF71D682C6}"/>
               </a:ext>
             </a:extLst>
           </p:cNvPr>
@@ -17584,7 +18017,7 @@
           <p:cNvPr id="4" name="Picture 3" descr="Fake News Detection | End to End NLP ...">
             <a:extLst>
               <a:ext uri="{FF2B5EF4-FFF2-40B4-BE49-F238E27FC236}">
-                <a16:creationId xmlns:a16="http://schemas.microsoft.com/office/drawing/2014/main" id="{32B7F895-8DDF-3A60-359C-765EFE3CC180}"/>
+                <a16:creationId xmlns:a16="http://schemas.microsoft.com/office/drawing/2014/main" xmlns="" id="{32B7F895-8DDF-3A60-359C-765EFE3CC180}"/>
               </a:ext>
             </a:extLst>
           </p:cNvPr>
@@ -17620,7 +18053,7 @@
     </p:spTree>
     <p:extLst>
       <p:ext uri="{BB962C8B-B14F-4D97-AF65-F5344CB8AC3E}">
-        <p14:creationId xmlns:p14="http://schemas.microsoft.com/office/powerpoint/2010/main" val="87447636"/>
+        <p14:creationId xmlns:p14="http://schemas.microsoft.com/office/powerpoint/2010/main" xmlns="" val="87447636"/>
       </p:ext>
     </p:extLst>
   </p:cSld>
@@ -17655,7 +18088,7 @@
           <p:cNvPr id="2" name="Title 1">
             <a:extLst>
               <a:ext uri="{FF2B5EF4-FFF2-40B4-BE49-F238E27FC236}">
-                <a16:creationId xmlns:a16="http://schemas.microsoft.com/office/drawing/2014/main" id="{EBFC950D-B4BF-3E29-CB7B-CB40F6A0F8D1}"/>
+                <a16:creationId xmlns:a16="http://schemas.microsoft.com/office/drawing/2014/main" xmlns="" id="{EBFC950D-B4BF-3E29-CB7B-CB40F6A0F8D1}"/>
               </a:ext>
             </a:extLst>
           </p:cNvPr>
@@ -17683,7 +18116,7 @@
           <p:cNvPr id="4" name="Content Placeholder 3" descr="Fake News Detector using Python">
             <a:extLst>
               <a:ext uri="{FF2B5EF4-FFF2-40B4-BE49-F238E27FC236}">
-                <a16:creationId xmlns:a16="http://schemas.microsoft.com/office/drawing/2014/main" id="{9CD600E5-8C60-0A3C-C201-6936F789C67A}"/>
+                <a16:creationId xmlns:a16="http://schemas.microsoft.com/office/drawing/2014/main" xmlns="" id="{9CD600E5-8C60-0A3C-C201-6936F789C67A}"/>
               </a:ext>
             </a:extLst>
           </p:cNvPr>
@@ -17721,7 +18154,7 @@
     </p:spTree>
     <p:extLst>
       <p:ext uri="{BB962C8B-B14F-4D97-AF65-F5344CB8AC3E}">
-        <p14:creationId xmlns:p14="http://schemas.microsoft.com/office/powerpoint/2010/main" val="3560461063"/>
+        <p14:creationId xmlns:p14="http://schemas.microsoft.com/office/powerpoint/2010/main" xmlns="" val="3560461063"/>
       </p:ext>
     </p:extLst>
   </p:cSld>
@@ -17756,7 +18189,7 @@
           <p:cNvPr id="2" name="Title 1">
             <a:extLst>
               <a:ext uri="{FF2B5EF4-FFF2-40B4-BE49-F238E27FC236}">
-                <a16:creationId xmlns:a16="http://schemas.microsoft.com/office/drawing/2014/main" id="{0E5226B2-6FD1-3C7A-4482-748C69DA46B7}"/>
+                <a16:creationId xmlns:a16="http://schemas.microsoft.com/office/drawing/2014/main" xmlns="" id="{0E5226B2-6FD1-3C7A-4482-748C69DA46B7}"/>
               </a:ext>
             </a:extLst>
           </p:cNvPr>
@@ -17784,7 +18217,7 @@
           <p:cNvPr id="3" name="Content Placeholder 2">
             <a:extLst>
               <a:ext uri="{FF2B5EF4-FFF2-40B4-BE49-F238E27FC236}">
-                <a16:creationId xmlns:a16="http://schemas.microsoft.com/office/drawing/2014/main" id="{4A6CB9A8-FF04-D34A-6C57-6E0A2A89F829}"/>
+                <a16:creationId xmlns:a16="http://schemas.microsoft.com/office/drawing/2014/main" xmlns="" id="{4A6CB9A8-FF04-D34A-6C57-6E0A2A89F829}"/>
               </a:ext>
             </a:extLst>
           </p:cNvPr>
@@ -17884,20 +18317,20 @@
     </p:spTree>
     <p:extLst>
       <p:ext uri="{BB962C8B-B14F-4D97-AF65-F5344CB8AC3E}">
-        <p14:creationId xmlns:p14="http://schemas.microsoft.com/office/powerpoint/2010/main" val="1188668793"/>
+        <p14:creationId xmlns:p14="http://schemas.microsoft.com/office/powerpoint/2010/main" xmlns="" val="1188668793"/>
       </p:ext>
     </p:extLst>
   </p:cSld>
   <p:clrMapOvr>
     <a:masterClrMapping/>
   </p:clrMapOvr>
-  <mc:AlternateContent xmlns:mc="http://schemas.openxmlformats.org/markup-compatibility/2006" xmlns:p14="http://schemas.microsoft.com/office/powerpoint/2010/main">
-    <mc:Choice Requires="p14">
+  <mc:AlternateContent xmlns:mc="http://schemas.openxmlformats.org/markup-compatibility/2006">
+    <mc:Choice xmlns:p14="http://schemas.microsoft.com/office/powerpoint/2010/main" xmlns="" Requires="p14">
       <p:transition spd="slow" p14:dur="1500">
         <p:split orient="vert"/>
       </p:transition>
     </mc:Choice>
-    <mc:Fallback xmlns="">
+    <mc:Fallback>
       <p:transition spd="slow">
         <p:split orient="vert"/>
       </p:transition>
@@ -17928,7 +18361,7 @@
           <p:cNvPr id="2" name="Title 1">
             <a:extLst>
               <a:ext uri="{FF2B5EF4-FFF2-40B4-BE49-F238E27FC236}">
-                <a16:creationId xmlns:a16="http://schemas.microsoft.com/office/drawing/2014/main" id="{688BEA3A-8A7A-9C92-C7DE-82121079825B}"/>
+                <a16:creationId xmlns:a16="http://schemas.microsoft.com/office/drawing/2014/main" xmlns="" id="{688BEA3A-8A7A-9C92-C7DE-82121079825B}"/>
               </a:ext>
             </a:extLst>
           </p:cNvPr>
@@ -17956,7 +18389,7 @@
           <p:cNvPr id="3" name="Content Placeholder 2">
             <a:extLst>
               <a:ext uri="{FF2B5EF4-FFF2-40B4-BE49-F238E27FC236}">
-                <a16:creationId xmlns:a16="http://schemas.microsoft.com/office/drawing/2014/main" id="{7A2986E2-9432-C6CB-D069-DC77F7331219}"/>
+                <a16:creationId xmlns:a16="http://schemas.microsoft.com/office/drawing/2014/main" xmlns="" id="{7A2986E2-9432-C6CB-D069-DC77F7331219}"/>
               </a:ext>
             </a:extLst>
           </p:cNvPr>
@@ -18074,7 +18507,7 @@
     </p:spTree>
     <p:extLst>
       <p:ext uri="{BB962C8B-B14F-4D97-AF65-F5344CB8AC3E}">
-        <p14:creationId xmlns:p14="http://schemas.microsoft.com/office/powerpoint/2010/main" val="4128902099"/>
+        <p14:creationId xmlns:p14="http://schemas.microsoft.com/office/powerpoint/2010/main" xmlns="" val="4128902099"/>
       </p:ext>
     </p:extLst>
   </p:cSld>
@@ -18109,7 +18542,7 @@
           <p:cNvPr id="3" name="Content Placeholder 2">
             <a:extLst>
               <a:ext uri="{FF2B5EF4-FFF2-40B4-BE49-F238E27FC236}">
-                <a16:creationId xmlns:a16="http://schemas.microsoft.com/office/drawing/2014/main" id="{7A02A384-BD55-9DEA-85C8-FB21C5726E66}"/>
+                <a16:creationId xmlns:a16="http://schemas.microsoft.com/office/drawing/2014/main" xmlns="" id="{7A02A384-BD55-9DEA-85C8-FB21C5726E66}"/>
               </a:ext>
             </a:extLst>
           </p:cNvPr>
@@ -18201,7 +18634,7 @@
           <p:cNvPr id="1026" name="Picture 2">
             <a:extLst>
               <a:ext uri="{FF2B5EF4-FFF2-40B4-BE49-F238E27FC236}">
-                <a16:creationId xmlns:a16="http://schemas.microsoft.com/office/drawing/2014/main" id="{3E675A05-B4EF-DD5E-16C8-D382B06EB9BD}"/>
+                <a16:creationId xmlns:a16="http://schemas.microsoft.com/office/drawing/2014/main" xmlns="" id="{3E675A05-B4EF-DD5E-16C8-D382B06EB9BD}"/>
               </a:ext>
             </a:extLst>
           </p:cNvPr>
@@ -18214,7 +18647,7 @@
           <a:blip r:embed="rId2">
             <a:extLst>
               <a:ext uri="{28A0092B-C50C-407E-A947-70E740481C1C}">
-                <a14:useLocalDpi xmlns:a14="http://schemas.microsoft.com/office/drawing/2010/main" val="0"/>
+                <a14:useLocalDpi xmlns:a14="http://schemas.microsoft.com/office/drawing/2010/main" xmlns="" val="0"/>
               </a:ext>
             </a:extLst>
           </a:blip>
@@ -18234,7 +18667,7 @@
           <a:noFill/>
           <a:extLst>
             <a:ext uri="{909E8E84-426E-40DD-AFC4-6F175D3DCCD1}">
-              <a14:hiddenFill xmlns:a14="http://schemas.microsoft.com/office/drawing/2010/main">
+              <a14:hiddenFill xmlns:a14="http://schemas.microsoft.com/office/drawing/2010/main" xmlns="">
                 <a:solidFill>
                   <a:srgbClr val="FFFFFF"/>
                 </a:solidFill>
@@ -18246,7 +18679,7 @@
     </p:spTree>
     <p:extLst>
       <p:ext uri="{BB962C8B-B14F-4D97-AF65-F5344CB8AC3E}">
-        <p14:creationId xmlns:p14="http://schemas.microsoft.com/office/powerpoint/2010/main" val="2805837166"/>
+        <p14:creationId xmlns:p14="http://schemas.microsoft.com/office/powerpoint/2010/main" xmlns="" val="2805837166"/>
       </p:ext>
     </p:extLst>
   </p:cSld>
@@ -18281,7 +18714,7 @@
           <p:cNvPr id="2" name="Title 1">
             <a:extLst>
               <a:ext uri="{FF2B5EF4-FFF2-40B4-BE49-F238E27FC236}">
-                <a16:creationId xmlns:a16="http://schemas.microsoft.com/office/drawing/2014/main" id="{56ABB619-4E50-0E44-1372-1FC219B6E3D0}"/>
+                <a16:creationId xmlns:a16="http://schemas.microsoft.com/office/drawing/2014/main" xmlns="" id="{56ABB619-4E50-0E44-1372-1FC219B6E3D0}"/>
               </a:ext>
             </a:extLst>
           </p:cNvPr>
@@ -18306,7 +18739,7 @@
           <p:cNvPr id="3" name="Content Placeholder 2">
             <a:extLst>
               <a:ext uri="{FF2B5EF4-FFF2-40B4-BE49-F238E27FC236}">
-                <a16:creationId xmlns:a16="http://schemas.microsoft.com/office/drawing/2014/main" id="{BF15923C-6583-A48E-BB76-AE2D722BFFC9}"/>
+                <a16:creationId xmlns:a16="http://schemas.microsoft.com/office/drawing/2014/main" xmlns="" id="{BF15923C-6583-A48E-BB76-AE2D722BFFC9}"/>
               </a:ext>
             </a:extLst>
           </p:cNvPr>
@@ -18393,7 +18826,7 @@
     </p:spTree>
     <p:extLst>
       <p:ext uri="{BB962C8B-B14F-4D97-AF65-F5344CB8AC3E}">
-        <p14:creationId xmlns:p14="http://schemas.microsoft.com/office/powerpoint/2010/main" val="3489984871"/>
+        <p14:creationId xmlns:p14="http://schemas.microsoft.com/office/powerpoint/2010/main" xmlns="" val="3489984871"/>
       </p:ext>
     </p:extLst>
   </p:cSld>
@@ -18428,7 +18861,7 @@
           <p:cNvPr id="2" name="Title 1">
             <a:extLst>
               <a:ext uri="{FF2B5EF4-FFF2-40B4-BE49-F238E27FC236}">
-                <a16:creationId xmlns:a16="http://schemas.microsoft.com/office/drawing/2014/main" id="{15C42346-E2FC-12D7-C727-2CD077F25A78}"/>
+                <a16:creationId xmlns:a16="http://schemas.microsoft.com/office/drawing/2014/main" xmlns="" id="{15C42346-E2FC-12D7-C727-2CD077F25A78}"/>
               </a:ext>
             </a:extLst>
           </p:cNvPr>
@@ -18468,6 +18901,10 @@
               <a:rPr lang="en-IN" sz="2400" b="1" dirty="0"/>
               <a:t>SOFTWARE REQURIMENTS</a:t>
             </a:r>
+            <a:r>
+              <a:rPr lang="en-IN" sz="3600" dirty="0"/>
+              <a:t/>
+            </a:r>
             <a:br>
               <a:rPr lang="en-IN" sz="3600" dirty="0"/>
             </a:br>
@@ -18480,7 +18917,7 @@
           <p:cNvPr id="3" name="Content Placeholder 2">
             <a:extLst>
               <a:ext uri="{FF2B5EF4-FFF2-40B4-BE49-F238E27FC236}">
-                <a16:creationId xmlns:a16="http://schemas.microsoft.com/office/drawing/2014/main" id="{2C274E3C-CA68-C75D-DA61-9740270D2EA9}"/>
+                <a16:creationId xmlns:a16="http://schemas.microsoft.com/office/drawing/2014/main" xmlns="" id="{2C274E3C-CA68-C75D-DA61-9740270D2EA9}"/>
               </a:ext>
             </a:extLst>
           </p:cNvPr>
@@ -18686,7 +19123,7 @@
           <p:cNvPr id="5" name="Picture 8" descr="10,697 System Requirements Images, Stock Photos, 3D objects ...">
             <a:extLst>
               <a:ext uri="{FF2B5EF4-FFF2-40B4-BE49-F238E27FC236}">
-                <a16:creationId xmlns:a16="http://schemas.microsoft.com/office/drawing/2014/main" id="{69214D80-E85F-715C-1AEC-4E3DE8F2A2F0}"/>
+                <a16:creationId xmlns:a16="http://schemas.microsoft.com/office/drawing/2014/main" xmlns="" id="{69214D80-E85F-715C-1AEC-4E3DE8F2A2F0}"/>
               </a:ext>
             </a:extLst>
           </p:cNvPr>
@@ -18699,7 +19136,7 @@
           <a:blip r:embed="rId2">
             <a:extLst>
               <a:ext uri="{28A0092B-C50C-407E-A947-70E740481C1C}">
-                <a14:useLocalDpi xmlns:a14="http://schemas.microsoft.com/office/drawing/2010/main" val="0"/>
+                <a14:useLocalDpi xmlns:a14="http://schemas.microsoft.com/office/drawing/2010/main" xmlns="" val="0"/>
               </a:ext>
             </a:extLst>
           </a:blip>
@@ -18719,7 +19156,7 @@
           <a:noFill/>
           <a:extLst>
             <a:ext uri="{909E8E84-426E-40DD-AFC4-6F175D3DCCD1}">
-              <a14:hiddenFill xmlns:a14="http://schemas.microsoft.com/office/drawing/2010/main">
+              <a14:hiddenFill xmlns:a14="http://schemas.microsoft.com/office/drawing/2010/main" xmlns="">
                 <a:solidFill>
                   <a:srgbClr val="FFFFFF"/>
                 </a:solidFill>
@@ -18731,7 +19168,7 @@
     </p:spTree>
     <p:extLst>
       <p:ext uri="{BB962C8B-B14F-4D97-AF65-F5344CB8AC3E}">
-        <p14:creationId xmlns:p14="http://schemas.microsoft.com/office/powerpoint/2010/main" val="2705140605"/>
+        <p14:creationId xmlns:p14="http://schemas.microsoft.com/office/powerpoint/2010/main" xmlns="" val="2705140605"/>
       </p:ext>
     </p:extLst>
   </p:cSld>
@@ -18766,7 +19203,7 @@
           <p:cNvPr id="2" name="Title 1">
             <a:extLst>
               <a:ext uri="{FF2B5EF4-FFF2-40B4-BE49-F238E27FC236}">
-                <a16:creationId xmlns:a16="http://schemas.microsoft.com/office/drawing/2014/main" id="{5AFE2CAD-2DC7-5989-F2F2-1187C0B01F03}"/>
+                <a16:creationId xmlns:a16="http://schemas.microsoft.com/office/drawing/2014/main" xmlns="" id="{5AFE2CAD-2DC7-5989-F2F2-1187C0B01F03}"/>
               </a:ext>
             </a:extLst>
           </p:cNvPr>
@@ -18794,7 +19231,7 @@
           <p:cNvPr id="3" name="Content Placeholder 2">
             <a:extLst>
               <a:ext uri="{FF2B5EF4-FFF2-40B4-BE49-F238E27FC236}">
-                <a16:creationId xmlns:a16="http://schemas.microsoft.com/office/drawing/2014/main" id="{997D4563-3DEC-9B4D-04C9-2DF627ABB715}"/>
+                <a16:creationId xmlns:a16="http://schemas.microsoft.com/office/drawing/2014/main" xmlns="" id="{997D4563-3DEC-9B4D-04C9-2DF627ABB715}"/>
               </a:ext>
             </a:extLst>
           </p:cNvPr>
@@ -18887,7 +19324,7 @@
           <p:cNvPr id="4098" name="Picture 2" descr="Hardware Requirements for Machine Learning">
             <a:extLst>
               <a:ext uri="{FF2B5EF4-FFF2-40B4-BE49-F238E27FC236}">
-                <a16:creationId xmlns:a16="http://schemas.microsoft.com/office/drawing/2014/main" id="{5D983CBB-3206-5531-1A48-1241FA4AF139}"/>
+                <a16:creationId xmlns:a16="http://schemas.microsoft.com/office/drawing/2014/main" xmlns="" id="{5D983CBB-3206-5531-1A48-1241FA4AF139}"/>
               </a:ext>
             </a:extLst>
           </p:cNvPr>
@@ -18900,7 +19337,7 @@
           <a:blip r:embed="rId2">
             <a:extLst>
               <a:ext uri="{28A0092B-C50C-407E-A947-70E740481C1C}">
-                <a14:useLocalDpi xmlns:a14="http://schemas.microsoft.com/office/drawing/2010/main" val="0"/>
+                <a14:useLocalDpi xmlns:a14="http://schemas.microsoft.com/office/drawing/2010/main" xmlns="" val="0"/>
               </a:ext>
             </a:extLst>
           </a:blip>
@@ -18920,7 +19357,7 @@
           <a:noFill/>
           <a:extLst>
             <a:ext uri="{909E8E84-426E-40DD-AFC4-6F175D3DCCD1}">
-              <a14:hiddenFill xmlns:a14="http://schemas.microsoft.com/office/drawing/2010/main">
+              <a14:hiddenFill xmlns:a14="http://schemas.microsoft.com/office/drawing/2010/main" xmlns="">
                 <a:solidFill>
                   <a:srgbClr val="FFFFFF"/>
                 </a:solidFill>
@@ -18932,7 +19369,7 @@
     </p:spTree>
     <p:extLst>
       <p:ext uri="{BB962C8B-B14F-4D97-AF65-F5344CB8AC3E}">
-        <p14:creationId xmlns:p14="http://schemas.microsoft.com/office/powerpoint/2010/main" val="3106468428"/>
+        <p14:creationId xmlns:p14="http://schemas.microsoft.com/office/powerpoint/2010/main" xmlns="" val="3106468428"/>
       </p:ext>
     </p:extLst>
   </p:cSld>
@@ -18988,7 +19425,7 @@
     </a:clrScheme>
     <a:fontScheme name="Ion Boardroom">
       <a:majorFont>
-        <a:latin typeface="Century Gothic" panose="020B0502020202020204"/>
+        <a:latin typeface="Century Gothic"/>
         <a:ea typeface=""/>
         <a:cs typeface=""/>
         <a:font script="Jpan" typeface="メイリオ"/>
@@ -19023,7 +19460,7 @@
         <a:font script="Geor" typeface="Sylfaen"/>
       </a:majorFont>
       <a:minorFont>
-        <a:latin typeface="Century Gothic" panose="020B0502020202020204"/>
+        <a:latin typeface="Century Gothic"/>
         <a:ea typeface=""/>
         <a:cs typeface=""/>
         <a:font script="Jpan" typeface="メイリオ"/>
@@ -19203,7 +19640,7 @@
   <a:extraClrSchemeLst/>
   <a:extLst>
     <a:ext uri="{05A4C25C-085E-4340-85A3-A5531E510DB2}">
-      <thm15:themeFamily xmlns:thm15="http://schemas.microsoft.com/office/thememl/2012/main" name="Ion Boardroom" id="{FC33163D-4339-46B1-8EED-24C834239D99}" vid="{B8502691-933B-45FE-8764-BA278511EF27}"/>
+      <thm15:themeFamily xmlns:thm15="http://schemas.microsoft.com/office/thememl/2012/main" xmlns="" name="Ion Boardroom" id="{FC33163D-4339-46B1-8EED-24C834239D99}" vid="{B8502691-933B-45FE-8764-BA278511EF27}"/>
     </a:ext>
   </a:extLst>
 </a:theme>
